--- a/doc/基于Appium的 App UI自动化框架.pptx
+++ b/doc/基于Appium的 App UI自动化框架.pptx
@@ -9,11 +9,17 @@
     <p:sldId id="413" r:id="rId4"/>
     <p:sldId id="414" r:id="rId5"/>
     <p:sldId id="411" r:id="rId6"/>
-    <p:sldId id="415" r:id="rId7"/>
-    <p:sldId id="410" r:id="rId8"/>
-    <p:sldId id="417" r:id="rId9"/>
-    <p:sldId id="416" r:id="rId10"/>
-    <p:sldId id="412" r:id="rId11"/>
+    <p:sldId id="410" r:id="rId7"/>
+    <p:sldId id="416" r:id="rId8"/>
+    <p:sldId id="412" r:id="rId9"/>
+    <p:sldId id="422" r:id="rId10"/>
+    <p:sldId id="417" r:id="rId11"/>
+    <p:sldId id="423" r:id="rId12"/>
+    <p:sldId id="424" r:id="rId13"/>
+    <p:sldId id="421" r:id="rId14"/>
+    <p:sldId id="428" r:id="rId15"/>
+    <p:sldId id="430" r:id="rId16"/>
+    <p:sldId id="425" r:id="rId17"/>
   </p:sldIdLst>
   <p:sldSz cx="12192000" cy="6858000"/>
   <p:notesSz cx="6858000" cy="9144000"/>
@@ -4407,6 +4413,12 @@
               <a:t>基于</a:t>
             </a:r>
             <a:r>
+              <a:rPr lang="en-US" altLang="zh-CN" dirty="0" smtClean="0">
+                <a:sym typeface="+mn-ea"/>
+              </a:rPr>
+              <a:t>Pytest - </a:t>
+            </a:r>
+            <a:r>
               <a:rPr lang="en-US" altLang="zh-CN" dirty="0" err="1" smtClean="0">
                 <a:sym typeface="+mn-ea"/>
               </a:rPr>
@@ -4486,7 +4498,7 @@
 </p:sld>
 </file>
 
-<file path=ppt/slides/slide2.xml><?xml version="1.0" encoding="utf-8"?>
+<file path=ppt/slides/slide10.xml><?xml version="1.0" encoding="utf-8"?>
 <p:sld xmlns:a="http://schemas.openxmlformats.org/drawingml/2006/main" xmlns:r="http://schemas.openxmlformats.org/officeDocument/2006/relationships" xmlns:p="http://schemas.openxmlformats.org/presentationml/2006/main">
   <p:cSld>
     <p:spTree>
@@ -4506,43 +4518,68 @@
             <p:ph type="title"/>
           </p:nvPr>
         </p:nvSpPr>
+        <p:spPr/>
+        <p:txBody>
+          <a:bodyPr/>
+          <a:p>
+            <a:r>
+              <a:rPr lang="zh-CN" altLang="en-US"/>
+              <a:t>项目目录结构</a:t>
+            </a:r>
+            <a:endParaRPr lang="zh-CN" altLang="en-US"/>
+          </a:p>
+        </p:txBody>
+      </p:sp>
+      <p:pic>
+        <p:nvPicPr>
+          <p:cNvPr id="6" name="图片 5"/>
+          <p:cNvPicPr>
+            <a:picLocks noChangeAspect="1"/>
+          </p:cNvPicPr>
+          <p:nvPr/>
+        </p:nvPicPr>
+        <p:blipFill>
+          <a:blip r:embed="rId1"/>
+          <a:stretch>
+            <a:fillRect/>
+          </a:stretch>
+        </p:blipFill>
         <p:spPr>
           <a:xfrm>
-            <a:off x="608400" y="589350"/>
-            <a:ext cx="10969200" cy="705600"/>
+            <a:off x="608330" y="1490345"/>
+            <a:ext cx="3558540" cy="5235575"/>
+          </a:xfrm>
+          <a:prstGeom prst="rect">
+            <a:avLst/>
+          </a:prstGeom>
+        </p:spPr>
+      </p:pic>
+      <p:sp>
+        <p:nvSpPr>
+          <p:cNvPr id="7" name="内容占位符 6"/>
+          <p:cNvSpPr/>
+          <p:nvPr>
+            <p:ph idx="1"/>
+          </p:nvPr>
+        </p:nvSpPr>
+        <p:spPr>
+          <a:xfrm>
+            <a:off x="4364990" y="1490345"/>
+            <a:ext cx="7212330" cy="4759325"/>
           </a:xfrm>
         </p:spPr>
         <p:txBody>
           <a:bodyPr/>
-          <a:p>
-            <a:r>
-              <a:t>自动化能解决当前什么问题</a:t>
-            </a:r>
-            <a:endParaRPr lang="en-US" altLang="zh-CN"/>
-          </a:p>
-        </p:txBody>
-      </p:sp>
-      <p:sp>
-        <p:nvSpPr>
-          <p:cNvPr id="3" name="内容占位符 2"/>
-          <p:cNvSpPr>
-            <a:spLocks noGrp="1"/>
-          </p:cNvSpPr>
-          <p:nvPr>
-            <p:ph idx="1"/>
-          </p:nvPr>
-        </p:nvSpPr>
-        <p:spPr/>
-        <p:txBody>
-          <a:bodyPr>
-            <a:normAutofit lnSpcReduction="10000"/>
-          </a:bodyPr>
           <a:p>
             <a:pPr marL="342900" indent="-342900">
               <a:buAutoNum type="arabicPeriod"/>
             </a:pPr>
             <a:r>
-              <a:t>帮助测试人员发版前回归基础功能，降低线上事故率</a:t>
+              <a:rPr lang="en-US" altLang="zh-CN"/>
+              <a:t>config</a:t>
+            </a:r>
+            <a:r>
+              <a:t>抽离代码中可配置项</a:t>
             </a:r>
           </a:p>
           <a:p>
@@ -4550,7 +4587,25 @@
               <a:buAutoNum type="arabicPeriod"/>
             </a:pPr>
             <a:r>
-              <a:t>开发人员做完自己的需求后，可以批跑可能影响到的模块冒烟用例，检查是否有冒烟事故</a:t>
+              <a:rPr lang="en-US" altLang="zh-CN"/>
+              <a:t>doc</a:t>
+            </a:r>
+            <a:r>
+              <a:t>目录存放</a:t>
+            </a:r>
+            <a:r>
+              <a:rPr lang="en-US" altLang="zh-CN"/>
+              <a:t>readme</a:t>
+            </a:r>
+            <a:r>
+              <a:t>、</a:t>
+            </a:r>
+            <a:r>
+              <a:rPr lang="en-US" altLang="zh-CN"/>
+              <a:t>ppt</a:t>
+            </a:r>
+            <a:r>
+              <a:t>等等说明文档</a:t>
             </a:r>
           </a:p>
           <a:p>
@@ -4558,7 +4613,32 @@
               <a:buAutoNum type="arabicPeriod"/>
             </a:pPr>
             <a:r>
-              <a:t>版本正式转测初就对基础功能校验，防止后续测试进度卡滞</a:t>
+              <a:rPr lang="en-US" altLang="zh-CN"/>
+              <a:t>result</a:t>
+            </a:r>
+            <a:r>
+              <a:t>目录存放</a:t>
+            </a:r>
+            <a:r>
+              <a:rPr lang="en-US" altLang="zh-CN"/>
+              <a:t>allureReport</a:t>
+            </a:r>
+            <a:r>
+              <a:t>、</a:t>
+            </a:r>
+            <a:r>
+              <a:rPr lang="en-US" altLang="zh-CN"/>
+              <a:t>Screenshot</a:t>
+            </a:r>
+            <a:r>
+              <a:t>、</a:t>
+            </a:r>
+            <a:r>
+              <a:rPr lang="en-US" altLang="zh-CN"/>
+              <a:t>log</a:t>
+            </a:r>
+            <a:r>
+              <a:t>日志</a:t>
             </a:r>
           </a:p>
           <a:p>
@@ -4566,7 +4646,25 @@
               <a:buAutoNum type="arabicPeriod"/>
             </a:pPr>
             <a:r>
-              <a:t>可以自动化测试  多种不同终端的重复测试工作</a:t>
+              <a:rPr lang="en-US" altLang="zh-CN"/>
+              <a:t>task</a:t>
+            </a:r>
+            <a:r>
+              <a:t>目录存放生成的</a:t>
+            </a:r>
+            <a:r>
+              <a:rPr lang="en-US" altLang="zh-CN"/>
+              <a:t>task</a:t>
+            </a:r>
+            <a:r>
+              <a:t>任务，由任务驱动</a:t>
+            </a:r>
+            <a:r>
+              <a:rPr lang="en-US" altLang="zh-CN"/>
+              <a:t>main</a:t>
+            </a:r>
+            <a:r>
+              <a:t>脚本运行</a:t>
             </a:r>
           </a:p>
           <a:p>
@@ -4574,7 +4672,11 @@
               <a:buAutoNum type="arabicPeriod"/>
             </a:pPr>
             <a:r>
-              <a:t>旧迭代测试用例的可集成、复用，保证旧版本旧功能在新迭代中也能被测试到</a:t>
+              <a:rPr lang="en-US" altLang="zh-CN"/>
+              <a:t>utils</a:t>
+            </a:r>
+            <a:r>
+              <a:t>目录存放部分自制、第三方小工具</a:t>
             </a:r>
           </a:p>
           <a:p>
@@ -4582,7 +4684,28 @@
               <a:buAutoNum type="arabicPeriod"/>
             </a:pPr>
             <a:r>
-              <a:t>发现人力很难观察到的内存泄漏、高压使用后稳定变差等问题</a:t>
+              <a:rPr lang="en-US" altLang="zh-CN"/>
+              <a:t>src</a:t>
+            </a:r>
+            <a:r>
+              <a:t>为主代码，</a:t>
+            </a:r>
+            <a:r>
+              <a:rPr lang="en-US" altLang="zh-CN"/>
+              <a:t>main</a:t>
+            </a:r>
+            <a:r>
+              <a:t>中为测试用例执行逻辑（与</a:t>
+            </a:r>
+            <a:r>
+              <a:rPr lang="en-US" altLang="zh-CN"/>
+              <a:t>task</a:t>
+            </a:r>
+            <a:r>
+              <a:t>交互</a:t>
+            </a:r>
+            <a:r>
+              <a:t>）</a:t>
             </a:r>
           </a:p>
           <a:p>
@@ -4590,7 +4713,32 @@
               <a:buAutoNum type="arabicPeriod"/>
             </a:pPr>
             <a:r>
-              <a:t>自动化是性能测试的基础，对后续可能需要的性能测试做准备</a:t>
+              <a:rPr lang="en-US" altLang="zh-CN"/>
+              <a:t>framework</a:t>
+            </a:r>
+            <a:r>
+              <a:t>存放通用封装项，</a:t>
+            </a:r>
+            <a:r>
+              <a:rPr lang="en-US" altLang="zh-CN"/>
+              <a:t>driver</a:t>
+            </a:r>
+            <a:r>
+              <a:t>、</a:t>
+            </a:r>
+            <a:r>
+              <a:rPr lang="en-US" altLang="zh-CN"/>
+              <a:t>logger</a:t>
+            </a:r>
+            <a:r>
+              <a:t>、</a:t>
+            </a:r>
+            <a:r>
+              <a:rPr lang="en-US" altLang="zh-CN"/>
+              <a:t>asserter</a:t>
+            </a:r>
+            <a:r>
+              <a:t>等等</a:t>
             </a:r>
           </a:p>
           <a:p>
@@ -4599,25 +4747,64 @@
             </a:pPr>
             <a:r>
               <a:rPr lang="en-US" altLang="zh-CN"/>
-              <a:t>...</a:t>
+              <a:t>page</a:t>
+            </a:r>
+            <a:r>
+              <a:t>层为</a:t>
+            </a:r>
+            <a:r>
+              <a:rPr lang="en-US" altLang="zh-CN"/>
+              <a:t>pageObjects</a:t>
+            </a:r>
+            <a:r>
+              <a:t>，</a:t>
+            </a:r>
+            <a:r>
+              <a:rPr lang="en-US" altLang="zh-CN"/>
+              <a:t>app</a:t>
+            </a:r>
+            <a:r>
+              <a:t>每个页面单独一个</a:t>
+            </a:r>
+            <a:r>
+              <a:rPr lang="en-US" altLang="zh-CN"/>
+              <a:t>PO</a:t>
             </a:r>
             <a:endParaRPr lang="en-US" altLang="zh-CN"/>
+          </a:p>
+          <a:p>
+            <a:pPr marL="342900" indent="-342900">
+              <a:buAutoNum type="arabicPeriod"/>
+            </a:pPr>
+            <a:r>
+              <a:rPr lang="en-US" altLang="zh-CN"/>
+              <a:t>testcase</a:t>
+            </a:r>
+            <a:r>
+              <a:t>层为业务用例层，使用</a:t>
+            </a:r>
+            <a:r>
+              <a:rPr lang="en-US" altLang="zh-CN"/>
+              <a:t>pytest fixture</a:t>
+            </a:r>
+            <a:r>
+              <a:t>标注相应用例</a:t>
+            </a:r>
           </a:p>
         </p:txBody>
       </p:sp>
     </p:spTree>
     <p:custDataLst>
-      <p:tags r:id="rId1"/>
+      <p:tags r:id="rId2"/>
     </p:custDataLst>
   </p:cSld>
   <p:clrMapOvr>
     <a:masterClrMapping/>
   </p:clrMapOvr>
-  <p:transition/>
 </p:sld>
 </file>
 
-<file path=ppt/slides/slide3.xml><?xml version="1.0" encoding="utf-8"?>
+<file path=ppt/slides/slide11.xml><?xml version="1.0" encoding="utf-8"?>
 <p:sld xmlns:a="http://schemas.openxmlformats.org/drawingml/2006/main" xmlns:r="http://schemas.openxmlformats.org/officeDocument/2006/relationships" xmlns:p="http://schemas.openxmlformats.org/presentationml/2006/main">
   <p:cSld>
     <p:spTree>
@@ -4642,24 +4829,29 @@
           <a:bodyPr/>
           <a:p>
             <a:r>
-              <a:rPr lang="zh-CN" altLang="en-US"/>
-              <a:t>所以我们需要个怎么样的自动化</a:t>
-            </a:r>
-            <a:endParaRPr lang="zh-CN" altLang="en-US"/>
-          </a:p>
-        </p:txBody>
-      </p:sp>
-      <p:sp>
-        <p:nvSpPr>
-          <p:cNvPr id="3" name="内容占位符 2"/>
-          <p:cNvSpPr>
-            <a:spLocks noGrp="1"/>
-          </p:cNvSpPr>
+              <a:rPr lang="en-US" altLang="zh-CN"/>
+              <a:t>PageObjects</a:t>
+            </a:r>
+            <a:r>
+              <a:t>分层设计</a:t>
+            </a:r>
+          </a:p>
+        </p:txBody>
+      </p:sp>
+      <p:sp>
+        <p:nvSpPr>
+          <p:cNvPr id="7" name="内容占位符 6"/>
+          <p:cNvSpPr/>
           <p:nvPr>
             <p:ph idx="1"/>
           </p:nvPr>
         </p:nvSpPr>
-        <p:spPr/>
+        <p:spPr>
+          <a:xfrm>
+            <a:off x="4882515" y="1490345"/>
+            <a:ext cx="7212330" cy="4759325"/>
+          </a:xfrm>
+        </p:spPr>
         <p:txBody>
           <a:bodyPr/>
           <a:p>
@@ -4668,42 +4860,109 @@
             </a:pPr>
             <a:r>
               <a:rPr lang="zh-CN" altLang="en-US"/>
-              <a:t>能区别出不同类别用例，哪些是冒烟，哪些是基础功能，哪些是旧迭代功能，哪些是新迭代</a:t>
-            </a:r>
-            <a:endParaRPr lang="zh-CN" altLang="en-US"/>
+              <a:t>所有导航、常用工具栏定义为无需实例化的接口</a:t>
+            </a:r>
+            <a:r>
+              <a:rPr lang="en-US" altLang="zh-CN"/>
+              <a:t>interface</a:t>
+            </a:r>
+            <a:endParaRPr lang="en-US" altLang="zh-CN"/>
           </a:p>
           <a:p>
             <a:pPr marL="342900" indent="-342900">
               <a:buAutoNum type="arabicPeriod"/>
             </a:pPr>
             <a:r>
-              <a:rPr lang="zh-CN" altLang="en-US"/>
-              <a:t>有清晰的测试报告，甚至有错误截图，能帮助开发、测试直接明了观察出异常点</a:t>
-            </a:r>
-            <a:endParaRPr lang="zh-CN" altLang="en-US"/>
+              <a:t>所有</a:t>
+            </a:r>
+            <a:r>
+              <a:rPr lang="en-US" altLang="zh-CN"/>
+              <a:t>page</a:t>
+            </a:r>
+            <a:r>
+              <a:t>封装页面的元素、元素串联操作为对应业务逻辑，</a:t>
+            </a:r>
+            <a:r>
+              <a:rPr>
+                <a:sym typeface="+mn-ea"/>
+              </a:rPr>
+              <a:t>如非必要，不暴露内部元素定位信息</a:t>
+            </a:r>
+            <a:endParaRPr>
+              <a:sym typeface="+mn-ea"/>
+            </a:endParaRPr>
           </a:p>
           <a:p>
             <a:pPr marL="342900" indent="-342900">
               <a:buAutoNum type="arabicPeriod"/>
             </a:pPr>
             <a:r>
-              <a:rPr lang="zh-CN" altLang="en-US"/>
-              <a:t>可以集成</a:t>
-            </a:r>
-            <a:r>
-              <a:rPr lang="en-US" altLang="zh-CN"/>
-              <a:t>jenkins</a:t>
-            </a:r>
-            <a:r>
-              <a:t>，对接服务器，实现一键冒烟，一键全量测试，定时晚上批跑保持稳定性</a:t>
-            </a:r>
+              <a:rPr lang="en-US" altLang="zh-CN">
+                <a:sym typeface="+mn-ea"/>
+              </a:rPr>
+              <a:t>Page</a:t>
+            </a:r>
+            <a:r>
+              <a:rPr>
+                <a:sym typeface="+mn-ea"/>
+              </a:rPr>
+              <a:t>基类定义了抽象函数</a:t>
+            </a:r>
+            <a:r>
+              <a:rPr lang="en-US" altLang="zh-CN">
+                <a:sym typeface="+mn-ea"/>
+              </a:rPr>
+              <a:t>makeAPage</a:t>
+            </a:r>
+            <a:r>
+              <a:rPr>
+                <a:sym typeface="+mn-ea"/>
+              </a:rPr>
+              <a:t>，后续子类</a:t>
+            </a:r>
+            <a:r>
+              <a:rPr lang="en-US" altLang="zh-CN">
+                <a:sym typeface="+mn-ea"/>
+              </a:rPr>
+              <a:t>page</a:t>
+            </a:r>
+            <a:r>
+              <a:rPr>
+                <a:sym typeface="+mn-ea"/>
+              </a:rPr>
+              <a:t>都要实现该方法</a:t>
+            </a:r>
+            <a:endParaRPr>
+              <a:sym typeface="+mn-ea"/>
+            </a:endParaRPr>
           </a:p>
           <a:p>
             <a:pPr marL="342900" indent="-342900">
               <a:buAutoNum type="arabicPeriod"/>
             </a:pPr>
             <a:r>
-              <a:t>测试用例编写简单，代码能力要求不高</a:t>
+              <a:rPr lang="en-US" altLang="zh-CN"/>
+              <a:t>所</a:t>
+            </a:r>
+            <a:r>
+              <a:t>有</a:t>
+            </a:r>
+            <a:r>
+              <a:t>封装好的业务逻辑，</a:t>
+            </a:r>
+            <a:r>
+              <a:rPr lang="en-US" altLang="zh-CN"/>
+              <a:t>return page</a:t>
+            </a:r>
+            <a:r>
+              <a:t>自身，以达到</a:t>
+            </a:r>
+            <a:r>
+              <a:rPr lang="en-US" altLang="zh-CN"/>
+              <a:t>workflow</a:t>
+            </a:r>
+            <a:r>
+              <a:t>式调用</a:t>
             </a:r>
           </a:p>
           <a:p>
@@ -4711,534 +4970,34 @@
               <a:buAutoNum type="arabicPeriod"/>
             </a:pPr>
             <a:r>
-              <a:t>测试用例维护成本低，屏蔽各类变化对业务用例的影响</a:t>
-            </a:r>
-          </a:p>
-          <a:p>
-            <a:pPr marL="342900" indent="-342900">
-              <a:buAutoNum type="arabicPeriod"/>
-            </a:pPr>
-            <a:r>
-              <a:t>最好对于安卓、</a:t>
-            </a:r>
-            <a:r>
-              <a:rPr lang="en-US" altLang="zh-CN"/>
-              <a:t>iOS</a:t>
-            </a:r>
-            <a:r>
-              <a:t>可以封装差异，业务用例依旧可以通用</a:t>
-            </a:r>
-          </a:p>
-        </p:txBody>
-      </p:sp>
-    </p:spTree>
-    <p:custDataLst>
-      <p:tags r:id="rId1"/>
-    </p:custDataLst>
-  </p:cSld>
-  <p:clrMapOvr>
-    <a:masterClrMapping/>
-  </p:clrMapOvr>
-</p:sld>
-</file>
-
-<file path=ppt/slides/slide4.xml><?xml version="1.0" encoding="utf-8"?>
-<p:sld xmlns:a="http://schemas.openxmlformats.org/drawingml/2006/main" xmlns:r="http://schemas.openxmlformats.org/officeDocument/2006/relationships" xmlns:p="http://schemas.openxmlformats.org/presentationml/2006/main" show="0">
-  <p:cSld>
-    <p:spTree>
-      <p:nvGrpSpPr>
-        <p:cNvPr id="1" name=""/>
-        <p:cNvGrpSpPr/>
-        <p:nvPr/>
-      </p:nvGrpSpPr>
-      <p:grpSpPr/>
-      <p:sp>
-        <p:nvSpPr>
-          <p:cNvPr id="2" name="标题 1"/>
-          <p:cNvSpPr>
-            <a:spLocks noGrp="1"/>
-          </p:cNvSpPr>
-          <p:nvPr>
-            <p:ph type="title"/>
-          </p:nvPr>
-        </p:nvSpPr>
-        <p:spPr/>
-        <p:txBody>
-          <a:bodyPr>
-            <a:normAutofit/>
-          </a:bodyPr>
-          <a:p>
-            <a:r>
-              <a:rPr lang="en-US" altLang="zh-CN"/>
-              <a:t>UI</a:t>
-            </a:r>
-            <a:r>
-              <a:t>自动化遇到的困境</a:t>
-            </a:r>
-          </a:p>
-        </p:txBody>
-      </p:sp>
-      <p:sp>
-        <p:nvSpPr>
-          <p:cNvPr id="3" name="内容占位符 2"/>
-          <p:cNvSpPr>
-            <a:spLocks noGrp="1"/>
-          </p:cNvSpPr>
-          <p:nvPr>
-            <p:ph idx="1"/>
-          </p:nvPr>
-        </p:nvSpPr>
-        <p:spPr/>
-        <p:txBody>
-          <a:bodyPr/>
-          <a:p>
-            <a:r>
-              <a:rPr lang="zh-CN" altLang="en-US"/>
-              <a:t>测试用例管理。想要根据不同情况，批跑不同类型的用例</a:t>
-            </a:r>
-            <a:endParaRPr lang="zh-CN" altLang="en-US"/>
-          </a:p>
-          <a:p>
-            <a:r>
-              <a:rPr lang="zh-CN" altLang="en-US"/>
-              <a:t>测试用例可集成。旧功能测试用例可以继续维护，对后续版本迭代起到测试作用</a:t>
-            </a:r>
-            <a:endParaRPr lang="zh-CN" altLang="en-US"/>
-          </a:p>
-          <a:p>
-            <a:r>
-              <a:rPr lang="zh-CN" altLang="en-US"/>
-              <a:t>测试问题定位。自动化失败后，测试、开发人员如何读懂自动化呈现的问题</a:t>
-            </a:r>
-            <a:endParaRPr lang="zh-CN" altLang="en-US"/>
-          </a:p>
-          <a:p>
-            <a:r>
-              <a:rPr lang="en-US" altLang="zh-CN"/>
-              <a:t>appium</a:t>
-            </a:r>
-            <a:r>
-              <a:t>、</a:t>
-            </a:r>
-            <a:r>
-              <a:rPr lang="en-US" altLang="zh-CN"/>
-              <a:t>macaca</a:t>
-            </a:r>
-            <a:r>
-              <a:t>等等</a:t>
-            </a:r>
-            <a:r>
-              <a:rPr lang="en-US" altLang="zh-CN"/>
-              <a:t>adb</a:t>
-            </a:r>
-            <a:r>
-              <a:t>交互</a:t>
-            </a:r>
-            <a:r>
-              <a:t>软件，更改、升级导致的维护成本</a:t>
-            </a:r>
-          </a:p>
-          <a:p>
-            <a:r>
-              <a:t>自动化用例编写、维护</a:t>
-            </a:r>
-          </a:p>
-          <a:p>
-            <a:pPr algn="l"/>
-            <a:r>
-              <a:t>测试数据管理</a:t>
-            </a:r>
-          </a:p>
-          <a:p>
-            <a:pPr algn="l"/>
-            <a:r>
-              <a:t>平台搭建完毕后的后续可扩展</a:t>
-            </a:r>
-          </a:p>
-        </p:txBody>
-      </p:sp>
-    </p:spTree>
-    <p:custDataLst>
-      <p:tags r:id="rId1"/>
-    </p:custDataLst>
-  </p:cSld>
-  <p:clrMapOvr>
-    <a:masterClrMapping/>
-  </p:clrMapOvr>
-  <p:transition/>
-</p:sld>
-</file>
-
-<file path=ppt/slides/slide5.xml><?xml version="1.0" encoding="utf-8"?>
-<p:sld xmlns:a="http://schemas.openxmlformats.org/drawingml/2006/main" xmlns:r="http://schemas.openxmlformats.org/officeDocument/2006/relationships" xmlns:p="http://schemas.openxmlformats.org/presentationml/2006/main">
-  <p:cSld>
-    <p:spTree>
-      <p:nvGrpSpPr>
-        <p:cNvPr id="1" name=""/>
-        <p:cNvGrpSpPr/>
-        <p:nvPr/>
-      </p:nvGrpSpPr>
-      <p:grpSpPr/>
-      <p:sp>
-        <p:nvSpPr>
-          <p:cNvPr id="2" name="标题 1"/>
-          <p:cNvSpPr>
-            <a:spLocks noGrp="1"/>
-          </p:cNvSpPr>
-          <p:nvPr>
-            <p:ph type="title"/>
-          </p:nvPr>
-        </p:nvSpPr>
-        <p:spPr/>
-        <p:txBody>
-          <a:bodyPr/>
-          <a:p>
-            <a:r>
-              <a:rPr lang="zh-CN" altLang="en-US"/>
-              <a:t>技术选型</a:t>
-            </a:r>
-            <a:endParaRPr lang="zh-CN" altLang="en-US"/>
-          </a:p>
-        </p:txBody>
-      </p:sp>
-      <p:sp>
-        <p:nvSpPr>
-          <p:cNvPr id="3" name="内容占位符 2"/>
-          <p:cNvSpPr>
-            <a:spLocks noGrp="1"/>
-          </p:cNvSpPr>
-          <p:nvPr>
-            <p:ph idx="1"/>
-          </p:nvPr>
-        </p:nvSpPr>
-        <p:spPr/>
-        <p:txBody>
-          <a:bodyPr/>
-          <a:p>
-            <a:endParaRPr lang="zh-CN" altLang="en-US"/>
-          </a:p>
-        </p:txBody>
-      </p:sp>
-    </p:spTree>
-    <p:custDataLst>
-      <p:tags r:id="rId1"/>
-    </p:custDataLst>
-  </p:cSld>
-  <p:clrMapOvr>
-    <a:masterClrMapping/>
-  </p:clrMapOvr>
-</p:sld>
-</file>
-
-<file path=ppt/slides/slide6.xml><?xml version="1.0" encoding="utf-8"?>
-<p:sld xmlns:a="http://schemas.openxmlformats.org/drawingml/2006/main" xmlns:r="http://schemas.openxmlformats.org/officeDocument/2006/relationships" xmlns:p="http://schemas.openxmlformats.org/presentationml/2006/main">
-  <p:cSld>
-    <p:spTree>
-      <p:nvGrpSpPr>
-        <p:cNvPr id="1" name=""/>
-        <p:cNvGrpSpPr/>
-        <p:nvPr/>
-      </p:nvGrpSpPr>
-      <p:grpSpPr/>
-      <p:sp>
-        <p:nvSpPr>
-          <p:cNvPr id="2" name="标题 1"/>
-          <p:cNvSpPr>
-            <a:spLocks noGrp="1"/>
-          </p:cNvSpPr>
-          <p:nvPr>
-            <p:ph type="title"/>
-          </p:nvPr>
-        </p:nvSpPr>
-        <p:spPr/>
-        <p:txBody>
-          <a:bodyPr/>
-          <a:p>
-            <a:r>
-              <a:rPr lang="en-US" altLang="zh-CN"/>
-              <a:t>pytest </a:t>
-            </a:r>
-            <a:r>
-              <a:t>与</a:t>
-            </a:r>
-            <a:r>
-              <a:rPr lang="en-US" altLang="zh-CN"/>
-              <a:t> unittest</a:t>
-            </a:r>
-            <a:endParaRPr lang="en-US" altLang="zh-CN"/>
-          </a:p>
-        </p:txBody>
-      </p:sp>
-      <p:sp>
-        <p:nvSpPr>
-          <p:cNvPr id="3" name="内容占位符 2"/>
-          <p:cNvSpPr>
-            <a:spLocks noGrp="1"/>
-          </p:cNvSpPr>
-          <p:nvPr>
-            <p:ph idx="1"/>
-          </p:nvPr>
-        </p:nvSpPr>
-        <p:spPr/>
-        <p:txBody>
-          <a:bodyPr>
-            <a:normAutofit lnSpcReduction="10000"/>
-          </a:bodyPr>
-          <a:p>
-            <a:pPr marL="342900" indent="-342900">
-              <a:buAutoNum type="arabicPeriod"/>
-            </a:pPr>
-            <a:r>
-              <a:rPr lang="en-US" altLang="zh-CN"/>
-              <a:t>pytest</a:t>
-            </a:r>
-            <a:r>
-              <a:t>一大特色：</a:t>
-            </a:r>
-            <a:r>
-              <a:rPr lang="en-US" altLang="zh-CN"/>
-              <a:t>fixture</a:t>
-            </a:r>
-            <a:r>
-              <a:t>，用例前缀管理。可以对测试用例添加自定义的</a:t>
-            </a:r>
-            <a:r>
-              <a:rPr lang="en-US" altLang="zh-CN"/>
-              <a:t>fixture</a:t>
-            </a:r>
-            <a:r>
-              <a:t>，比如：</a:t>
-            </a:r>
-          </a:p>
-          <a:p>
-            <a:pPr marL="800100" lvl="1" indent="-342900">
-              <a:buAutoNum type="arabicPeriod"/>
-            </a:pPr>
-            <a:r>
-              <a:rPr lang="en-US" altLang="zh-CN"/>
-              <a:t>“smoke”	</a:t>
-            </a:r>
-            <a:r>
-              <a:t>该测试用例用于冒烟测试（给与开发人员验证，新功能对</a:t>
-            </a:r>
-            <a:r>
-              <a:rPr lang="en-US" altLang="zh-CN"/>
-              <a:t>app</a:t>
-            </a:r>
-            <a:r>
-              <a:t>没有严重阻塞</a:t>
-            </a:r>
-            <a:r>
-              <a:t>）</a:t>
-            </a:r>
-          </a:p>
-          <a:p>
-            <a:pPr marL="800100" lvl="1" indent="-342900">
-              <a:buAutoNum type="arabicPeriod"/>
-            </a:pPr>
-            <a:r>
-              <a:rPr lang="en-US" altLang="zh-CN"/>
-              <a:t>“fatal”		</a:t>
-            </a:r>
-            <a:r>
-              <a:t>该测试用例涉及核心功能（给与测试人员版本回归、基础验证）</a:t>
-            </a:r>
-            <a:endParaRPr lang="en-US" altLang="zh-CN"/>
-          </a:p>
-          <a:p>
-            <a:pPr marL="800100" lvl="1" indent="-342900">
-              <a:buAutoNum type="arabicPeriod"/>
-            </a:pPr>
-            <a:r>
-              <a:rPr lang="en-US" altLang="zh-CN"/>
-              <a:t>“specific_login”  </a:t>
-            </a:r>
-            <a:r>
-              <a:t>该测试用例对具体功能全面测试，可能涉及数据驱动，各类非法输入，性能压测等等</a:t>
-            </a:r>
-          </a:p>
-          <a:p>
-            <a:pPr marL="0" lvl="0" indent="0">
-              <a:buNone/>
-            </a:pPr>
-            <a:r>
-              <a:t>有了这些前缀修饰用例后，需要单独跑某几种前缀的用例时，只要</a:t>
-            </a:r>
-            <a:r>
-              <a:rPr lang="en-US" altLang="zh-CN"/>
-              <a:t>pytest -mark xxxx</a:t>
-            </a:r>
-            <a:r>
-              <a:t>就能做到。非常高效、方便。。这是</a:t>
-            </a:r>
-            <a:r>
-              <a:rPr lang="en-US" altLang="zh-CN"/>
-              <a:t>unittest</a:t>
-            </a:r>
-            <a:r>
-              <a:t>不具备的</a:t>
-            </a:r>
-          </a:p>
-          <a:p>
-            <a:pPr marL="0" lvl="0" indent="0">
-              <a:buNone/>
-            </a:pPr>
-            <a:r>
-              <a:rPr lang="en-US" altLang="zh-CN"/>
-              <a:t>2. pytest</a:t>
-            </a:r>
-            <a:r>
-              <a:t>提供超多的钩子函数，</a:t>
+              <a:t>所有</a:t>
             </a:r>
             <a:r>
               <a:rPr>
                 <a:sym typeface="+mn-ea"/>
               </a:rPr>
-              <a:t>可扩展性非常良好。</a:t>
-            </a:r>
-            <a:endParaRPr>
-              <a:sym typeface="+mn-ea"/>
-            </a:endParaRPr>
-          </a:p>
-          <a:p>
-            <a:pPr marL="0" lvl="0" indent="0">
-              <a:buNone/>
-            </a:pPr>
-            <a:r>
-              <a:rPr lang="en-US" altLang="zh-CN">
-                <a:sym typeface="+mn-ea"/>
-              </a:rPr>
-              <a:t>3. </a:t>
-            </a:r>
-            <a:r>
-              <a:rPr>
-                <a:sym typeface="+mn-ea"/>
-              </a:rPr>
-              <a:t>也是因为</a:t>
-            </a:r>
-            <a:r>
-              <a:rPr lang="en-US" altLang="zh-CN">
-                <a:sym typeface="+mn-ea"/>
-              </a:rPr>
-              <a:t>2</a:t>
-            </a:r>
-            <a:r>
-              <a:rPr>
-                <a:sym typeface="+mn-ea"/>
-              </a:rPr>
-              <a:t>，</a:t>
-            </a:r>
-            <a:r>
-              <a:t>解释了为什么有这么多人员为它开发第三方库。比如多进程并发，就有成熟的</a:t>
-            </a:r>
-            <a:r>
-              <a:rPr lang="en-US" altLang="zh-CN"/>
-              <a:t>pytest-xdist</a:t>
-            </a:r>
-            <a:r>
-              <a:t>库，测试代码覆盖率，有</a:t>
-            </a:r>
-            <a:r>
-              <a:rPr lang="en-US" altLang="zh-CN"/>
-              <a:t>pytest-cov</a:t>
-            </a:r>
-            <a:r>
-              <a:t>等等等等。越来越受人欢迎</a:t>
-            </a:r>
-          </a:p>
-          <a:p>
-            <a:pPr marL="0" lvl="0" indent="0">
-              <a:buNone/>
-            </a:pPr>
-            <a:r>
-              <a:rPr lang="en-US" altLang="zh-CN"/>
-              <a:t>3. </a:t>
-            </a:r>
-            <a:r>
-              <a:t>集成了</a:t>
-            </a:r>
-            <a:r>
-              <a:rPr lang="en-US" altLang="zh-CN"/>
-              <a:t>allure</a:t>
-            </a:r>
-            <a:r>
-              <a:t>报告、</a:t>
-            </a:r>
-            <a:r>
-              <a:rPr lang="en-US" altLang="zh-CN"/>
-              <a:t>jenkins</a:t>
-            </a:r>
-            <a:r>
-              <a:t>集成等等实用功能</a:t>
-            </a:r>
-          </a:p>
-          <a:p>
-            <a:pPr marL="0" lvl="0" indent="0">
-              <a:buNone/>
-            </a:pPr>
-            <a:r>
-              <a:rPr lang="en-US" altLang="zh-CN"/>
-              <a:t>4. </a:t>
-            </a:r>
-            <a:r>
-              <a:t>上手轻松，简单易学</a:t>
-            </a:r>
-          </a:p>
-        </p:txBody>
-      </p:sp>
-    </p:spTree>
-    <p:custDataLst>
-      <p:tags r:id="rId1"/>
-    </p:custDataLst>
-  </p:cSld>
-  <p:clrMapOvr>
-    <a:masterClrMapping/>
-  </p:clrMapOvr>
-  <p:transition/>
-</p:sld>
-</file>
-
-<file path=ppt/slides/slide7.xml><?xml version="1.0" encoding="utf-8"?>
-<p:sld xmlns:a="http://schemas.openxmlformats.org/drawingml/2006/main" xmlns:r="http://schemas.openxmlformats.org/officeDocument/2006/relationships" xmlns:p="http://schemas.openxmlformats.org/presentationml/2006/main">
-  <p:cSld>
-    <p:spTree>
-      <p:nvGrpSpPr>
-        <p:cNvPr id="1" name=""/>
-        <p:cNvGrpSpPr/>
-        <p:nvPr/>
-      </p:nvGrpSpPr>
-      <p:grpSpPr/>
-      <p:sp>
-        <p:nvSpPr>
-          <p:cNvPr id="2" name="标题 1"/>
-          <p:cNvSpPr>
-            <a:spLocks noGrp="1"/>
-          </p:cNvSpPr>
-          <p:nvPr>
-            <p:ph type="title"/>
-          </p:nvPr>
-        </p:nvSpPr>
-        <p:spPr/>
-        <p:txBody>
-          <a:bodyPr/>
-          <a:p>
-            <a:r>
-              <a:rPr lang="zh-CN" altLang="en-US"/>
-              <a:t>项目架构</a:t>
-            </a:r>
-            <a:endParaRPr lang="zh-CN" altLang="en-US"/>
+              <a:t>封装好的</a:t>
+            </a:r>
+            <a:r>
+              <a:t>业务逻辑用</a:t>
+            </a:r>
+            <a:r>
+              <a:rPr lang="en-US" altLang="zh-CN"/>
+              <a:t>allure.step</a:t>
+            </a:r>
+            <a:r>
+              <a:t>标注，用于后续报告</a:t>
+            </a:r>
           </a:p>
         </p:txBody>
       </p:sp>
       <p:pic>
         <p:nvPicPr>
-          <p:cNvPr id="4" name="内容占位符 3"/>
+          <p:cNvPr id="3" name="图片 2"/>
           <p:cNvPicPr>
             <a:picLocks noChangeAspect="1"/>
           </p:cNvPicPr>
-          <p:nvPr>
-            <p:ph idx="1"/>
-          </p:nvPr>
+          <p:nvPr/>
         </p:nvPicPr>
         <p:blipFill>
           <a:blip r:embed="rId1"/>
@@ -5248,8 +5007,8 @@
         </p:blipFill>
         <p:spPr>
           <a:xfrm>
-            <a:off x="1956435" y="1236345"/>
-            <a:ext cx="8272780" cy="5267960"/>
+            <a:off x="694055" y="1401445"/>
+            <a:ext cx="3962400" cy="4848225"/>
           </a:xfrm>
           <a:prstGeom prst="rect">
             <a:avLst/>
@@ -5267,7 +5026,7 @@
 </p:sld>
 </file>
 
-<file path=ppt/slides/slide8.xml><?xml version="1.0" encoding="utf-8"?>
+<file path=ppt/slides/slide12.xml><?xml version="1.0" encoding="utf-8"?>
 <p:sld xmlns:a="http://schemas.openxmlformats.org/drawingml/2006/main" xmlns:r="http://schemas.openxmlformats.org/officeDocument/2006/relationships" xmlns:p="http://schemas.openxmlformats.org/presentationml/2006/main">
   <p:cSld>
     <p:spTree>
@@ -5287,26 +5046,303 @@
             <p:ph type="title"/>
           </p:nvPr>
         </p:nvSpPr>
-        <p:spPr/>
+        <p:spPr>
+          <a:xfrm>
+            <a:off x="611575" y="608400"/>
+            <a:ext cx="10969200" cy="705600"/>
+          </a:xfrm>
+        </p:spPr>
         <p:txBody>
           <a:bodyPr/>
           <a:p>
+            <a:r>
+              <a:rPr lang="zh-CN" altLang="en-US"/>
+              <a:t>测试用例编写</a:t>
+            </a:r>
             <a:endParaRPr lang="zh-CN" altLang="en-US"/>
+          </a:p>
+        </p:txBody>
+      </p:sp>
+      <p:sp>
+        <p:nvSpPr>
+          <p:cNvPr id="3" name="内容占位符 2"/>
+          <p:cNvSpPr>
+            <a:spLocks noGrp="1"/>
+          </p:cNvSpPr>
+          <p:nvPr>
+            <p:ph idx="1"/>
+          </p:nvPr>
+        </p:nvSpPr>
+        <p:spPr>
+          <a:xfrm>
+            <a:off x="6118860" y="1490345"/>
+            <a:ext cx="5649595" cy="4759325"/>
+          </a:xfrm>
+        </p:spPr>
+        <p:txBody>
+          <a:bodyPr>
+            <a:normAutofit lnSpcReduction="10000"/>
+          </a:bodyPr>
+          <a:p>
+            <a:pPr marL="342900" indent="-342900">
+              <a:buAutoNum type="arabicPeriod"/>
+            </a:pPr>
+            <a:r>
+              <a:rPr lang="en-US" altLang="zh-CN"/>
+              <a:t>allure</a:t>
+            </a:r>
+            <a:r>
+              <a:t>修饰</a:t>
+            </a:r>
+            <a:r>
+              <a:rPr lang="en-US" altLang="zh-CN"/>
+              <a:t>feature</a:t>
+            </a:r>
+            <a:endParaRPr lang="en-US" altLang="zh-CN"/>
+          </a:p>
+          <a:p>
+            <a:pPr marL="342900" indent="-342900">
+              <a:buAutoNum type="arabicPeriod"/>
+            </a:pPr>
+            <a:r>
+              <a:rPr lang="en-US" altLang="zh-CN"/>
+              <a:t>mark</a:t>
+            </a:r>
+            <a:r>
+              <a:t>对整个测试类标注为</a:t>
+            </a:r>
+            <a:r>
+              <a:rPr lang="en-US" altLang="zh-CN"/>
+              <a:t>specific</a:t>
+            </a:r>
+            <a:r>
+              <a:t>专项测试</a:t>
+            </a:r>
+          </a:p>
+          <a:p>
+            <a:pPr marL="342900" indent="-342900">
+              <a:buAutoNum type="arabicPeriod"/>
+            </a:pPr>
+            <a:r>
+              <a:rPr lang="en-US" altLang="zh-CN"/>
+              <a:t>allure</a:t>
+            </a:r>
+            <a:r>
+              <a:t>修饰本次测试</a:t>
+            </a:r>
+            <a:r>
+              <a:rPr lang="en-US" altLang="zh-CN"/>
+              <a:t>title</a:t>
+            </a:r>
+            <a:endParaRPr lang="en-US" altLang="zh-CN"/>
+          </a:p>
+          <a:p>
+            <a:pPr marL="342900" indent="-342900">
+              <a:buAutoNum type="arabicPeriod"/>
+            </a:pPr>
+            <a:r>
+              <a:rPr lang="en-US" altLang="zh-CN"/>
+              <a:t>mark</a:t>
+            </a:r>
+            <a:r>
+              <a:t>为</a:t>
+            </a:r>
+            <a:r>
+              <a:rPr lang="en-US" altLang="zh-CN"/>
+              <a:t>core</a:t>
+            </a:r>
+            <a:r>
+              <a:t>核心功能</a:t>
+            </a:r>
+          </a:p>
+          <a:p>
+            <a:pPr marL="342900" indent="-342900">
+              <a:buAutoNum type="arabicPeriod"/>
+            </a:pPr>
+            <a:r>
+              <a:rPr lang="en-US" altLang="zh-CN"/>
+              <a:t>mark</a:t>
+            </a:r>
+            <a:r>
+              <a:t>参数化，用于单一功能细致测试的</a:t>
+            </a:r>
+            <a:r>
+              <a:rPr lang="en-US" altLang="zh-CN"/>
+              <a:t>ddt</a:t>
+            </a:r>
+            <a:endParaRPr lang="en-US" altLang="zh-CN"/>
+          </a:p>
+          <a:p>
+            <a:pPr marL="342900" indent="-342900">
+              <a:buAutoNum type="arabicPeriod"/>
+            </a:pPr>
+            <a:r>
+              <a:t>每个</a:t>
+            </a:r>
+            <a:r>
+              <a:rPr lang="en-US" altLang="zh-CN"/>
+              <a:t>page</a:t>
+            </a:r>
+            <a:r>
+              <a:t>都有的</a:t>
+            </a:r>
+            <a:r>
+              <a:rPr lang="en-US" altLang="zh-CN"/>
+              <a:t>makeAPage</a:t>
+            </a:r>
+            <a:r>
+              <a:t>静态构造函数</a:t>
+            </a:r>
+            <a:endParaRPr lang="en-US" altLang="zh-CN"/>
+          </a:p>
+          <a:p>
+            <a:pPr marL="342900" indent="-342900">
+              <a:buAutoNum type="arabicPeriod"/>
+            </a:pPr>
+            <a:r>
+              <a:rPr lang="en-US" altLang="zh-CN"/>
+              <a:t>Workflow</a:t>
+            </a:r>
+            <a:r>
+              <a:t>式调用，清晰查看测试步骤</a:t>
+            </a:r>
+          </a:p>
+          <a:p>
+            <a:pPr marL="342900" indent="-342900">
+              <a:buAutoNum type="arabicPeriod"/>
+            </a:pPr>
+            <a:r>
+              <a:t>断言使用</a:t>
+            </a:r>
+            <a:r>
+              <a:rPr lang="en-US" altLang="zh-CN"/>
+              <a:t>Asserter</a:t>
+            </a:r>
+            <a:endParaRPr lang="en-US" altLang="zh-CN"/>
+          </a:p>
+          <a:p>
+            <a:pPr marL="342900" indent="-342900">
+              <a:buAutoNum type="arabicPeriod"/>
+            </a:pPr>
+            <a:r>
+              <a:t>非核心功能，不做</a:t>
+            </a:r>
+            <a:r>
+              <a:rPr lang="en-US" altLang="zh-CN"/>
+              <a:t>core</a:t>
+            </a:r>
+            <a:r>
+              <a:t>标记</a:t>
+            </a:r>
           </a:p>
         </p:txBody>
       </p:sp>
       <p:pic>
         <p:nvPicPr>
-          <p:cNvPr id="4" name="内容占位符 3"/>
+          <p:cNvPr id="5" name="图片 4"/>
           <p:cNvPicPr>
             <a:picLocks noChangeAspect="1"/>
           </p:cNvPicPr>
+          <p:nvPr/>
+        </p:nvPicPr>
+        <p:blipFill>
+          <a:blip r:embed="rId1"/>
+          <a:stretch>
+            <a:fillRect/>
+          </a:stretch>
+        </p:blipFill>
+        <p:spPr>
+          <a:xfrm>
+            <a:off x="690880" y="1490345"/>
+            <a:ext cx="4943475" cy="4619625"/>
+          </a:xfrm>
+          <a:prstGeom prst="rect">
+            <a:avLst/>
+          </a:prstGeom>
+        </p:spPr>
+      </p:pic>
+    </p:spTree>
+    <p:custDataLst>
+      <p:tags r:id="rId2"/>
+    </p:custDataLst>
+  </p:cSld>
+  <p:clrMapOvr>
+    <a:masterClrMapping/>
+  </p:clrMapOvr>
+  <p:transition/>
+</p:sld>
+</file>
+
+<file path=ppt/slides/slide13.xml><?xml version="1.0" encoding="utf-8"?>
+<p:sld xmlns:a="http://schemas.openxmlformats.org/drawingml/2006/main" xmlns:r="http://schemas.openxmlformats.org/officeDocument/2006/relationships" xmlns:p="http://schemas.openxmlformats.org/presentationml/2006/main">
+  <p:cSld>
+    <p:spTree>
+      <p:nvGrpSpPr>
+        <p:cNvPr id="1" name=""/>
+        <p:cNvGrpSpPr/>
+        <p:nvPr/>
+      </p:nvGrpSpPr>
+      <p:grpSpPr/>
+      <p:sp>
+        <p:nvSpPr>
+          <p:cNvPr id="2" name="标题 1"/>
+          <p:cNvSpPr>
+            <a:spLocks noGrp="1"/>
+          </p:cNvSpPr>
+          <p:nvPr>
+            <p:ph type="title"/>
+          </p:nvPr>
+        </p:nvSpPr>
+        <p:spPr>
+          <a:xfrm>
+            <a:off x="611575" y="608400"/>
+            <a:ext cx="10969200" cy="705600"/>
+          </a:xfrm>
+        </p:spPr>
+        <p:txBody>
+          <a:bodyPr/>
+          <a:p>
+            <a:r>
+              <a:rPr lang="zh-CN" altLang="en-US"/>
+              <a:t>测试报告</a:t>
+            </a:r>
+            <a:endParaRPr lang="zh-CN" altLang="en-US"/>
+          </a:p>
+        </p:txBody>
+      </p:sp>
+      <p:pic>
+        <p:nvPicPr>
+          <p:cNvPr id="6" name="内容占位符 5"/>
+          <p:cNvPicPr>
+            <a:picLocks noChangeAspect="1"/>
+          </p:cNvPicPr>
           <p:nvPr>
             <p:ph idx="1"/>
-            <p:custDataLst>
-              <p:tags r:id="rId1"/>
-            </p:custDataLst>
-          </p:nvPr>
+          </p:nvPr>
+        </p:nvPicPr>
+        <p:blipFill>
+          <a:blip r:embed="rId1"/>
+          <a:stretch>
+            <a:fillRect/>
+          </a:stretch>
+        </p:blipFill>
+        <p:spPr>
+          <a:xfrm>
+            <a:off x="2854325" y="481330"/>
+            <a:ext cx="6705600" cy="1466850"/>
+          </a:xfrm>
+          <a:prstGeom prst="rect">
+            <a:avLst/>
+          </a:prstGeom>
+        </p:spPr>
+      </p:pic>
+      <p:pic>
+        <p:nvPicPr>
+          <p:cNvPr id="9" name="图片 8"/>
+          <p:cNvPicPr>
+            <a:picLocks noChangeAspect="1"/>
+          </p:cNvPicPr>
+          <p:nvPr/>
         </p:nvPicPr>
         <p:blipFill>
           <a:blip r:embed="rId2"/>
@@ -5316,8 +5352,8 @@
         </p:blipFill>
         <p:spPr>
           <a:xfrm>
-            <a:off x="1179830" y="2058670"/>
-            <a:ext cx="4572000" cy="1781175"/>
+            <a:off x="1224280" y="1434465"/>
+            <a:ext cx="9446260" cy="4679315"/>
           </a:xfrm>
           <a:prstGeom prst="rect">
             <a:avLst/>
@@ -5332,6 +5368,1339 @@
   <p:clrMapOvr>
     <a:masterClrMapping/>
   </p:clrMapOvr>
+  <p:transition/>
+</p:sld>
+</file>
+
+<file path=ppt/slides/slide14.xml><?xml version="1.0" encoding="utf-8"?>
+<p:sld xmlns:a="http://schemas.openxmlformats.org/drawingml/2006/main" xmlns:r="http://schemas.openxmlformats.org/officeDocument/2006/relationships" xmlns:p="http://schemas.openxmlformats.org/presentationml/2006/main">
+  <p:cSld>
+    <p:spTree>
+      <p:nvGrpSpPr>
+        <p:cNvPr id="1" name=""/>
+        <p:cNvGrpSpPr/>
+        <p:nvPr/>
+      </p:nvGrpSpPr>
+      <p:grpSpPr/>
+      <p:sp>
+        <p:nvSpPr>
+          <p:cNvPr id="2" name="标题 1"/>
+          <p:cNvSpPr>
+            <a:spLocks noGrp="1"/>
+          </p:cNvSpPr>
+          <p:nvPr>
+            <p:ph type="title"/>
+          </p:nvPr>
+        </p:nvSpPr>
+        <p:spPr>
+          <a:xfrm>
+            <a:off x="611575" y="608400"/>
+            <a:ext cx="10969200" cy="705600"/>
+          </a:xfrm>
+        </p:spPr>
+        <p:txBody>
+          <a:bodyPr/>
+          <a:p>
+            <a:r>
+              <a:rPr lang="zh-CN" altLang="en-US"/>
+              <a:t>测试报告</a:t>
+            </a:r>
+            <a:endParaRPr lang="zh-CN" altLang="en-US"/>
+          </a:p>
+        </p:txBody>
+      </p:sp>
+      <p:pic>
+        <p:nvPicPr>
+          <p:cNvPr id="6" name="内容占位符 5"/>
+          <p:cNvPicPr>
+            <a:picLocks noChangeAspect="1"/>
+          </p:cNvPicPr>
+          <p:nvPr>
+            <p:ph idx="1"/>
+          </p:nvPr>
+        </p:nvPicPr>
+        <p:blipFill>
+          <a:blip r:embed="rId1"/>
+          <a:stretch>
+            <a:fillRect/>
+          </a:stretch>
+        </p:blipFill>
+        <p:spPr>
+          <a:xfrm>
+            <a:off x="2854325" y="481330"/>
+            <a:ext cx="6705600" cy="1466850"/>
+          </a:xfrm>
+          <a:prstGeom prst="rect">
+            <a:avLst/>
+          </a:prstGeom>
+        </p:spPr>
+      </p:pic>
+      <p:pic>
+        <p:nvPicPr>
+          <p:cNvPr id="10" name="图片 9"/>
+          <p:cNvPicPr>
+            <a:picLocks noChangeAspect="1"/>
+          </p:cNvPicPr>
+          <p:nvPr/>
+        </p:nvPicPr>
+        <p:blipFill>
+          <a:blip r:embed="rId2"/>
+          <a:stretch>
+            <a:fillRect/>
+          </a:stretch>
+        </p:blipFill>
+        <p:spPr>
+          <a:xfrm>
+            <a:off x="1273175" y="1434465"/>
+            <a:ext cx="9372600" cy="4657090"/>
+          </a:xfrm>
+          <a:prstGeom prst="rect">
+            <a:avLst/>
+          </a:prstGeom>
+        </p:spPr>
+      </p:pic>
+    </p:spTree>
+    <p:custDataLst>
+      <p:tags r:id="rId3"/>
+    </p:custDataLst>
+  </p:cSld>
+  <p:clrMapOvr>
+    <a:masterClrMapping/>
+  </p:clrMapOvr>
+  <p:transition/>
+</p:sld>
+</file>
+
+<file path=ppt/slides/slide15.xml><?xml version="1.0" encoding="utf-8"?>
+<p:sld xmlns:a="http://schemas.openxmlformats.org/drawingml/2006/main" xmlns:r="http://schemas.openxmlformats.org/officeDocument/2006/relationships" xmlns:p="http://schemas.openxmlformats.org/presentationml/2006/main">
+  <p:cSld>
+    <p:spTree>
+      <p:nvGrpSpPr>
+        <p:cNvPr id="1" name=""/>
+        <p:cNvGrpSpPr/>
+        <p:nvPr/>
+      </p:nvGrpSpPr>
+      <p:grpSpPr/>
+      <p:sp>
+        <p:nvSpPr>
+          <p:cNvPr id="2" name="标题 1"/>
+          <p:cNvSpPr>
+            <a:spLocks noGrp="1"/>
+          </p:cNvSpPr>
+          <p:nvPr>
+            <p:ph type="title"/>
+          </p:nvPr>
+        </p:nvSpPr>
+        <p:spPr>
+          <a:xfrm>
+            <a:off x="611575" y="608400"/>
+            <a:ext cx="10969200" cy="705600"/>
+          </a:xfrm>
+        </p:spPr>
+        <p:txBody>
+          <a:bodyPr/>
+          <a:p>
+            <a:r>
+              <a:rPr lang="zh-CN" altLang="en-US"/>
+              <a:t>自动化测试的后续落地</a:t>
+            </a:r>
+            <a:endParaRPr lang="zh-CN" altLang="en-US"/>
+          </a:p>
+        </p:txBody>
+      </p:sp>
+      <p:sp>
+        <p:nvSpPr>
+          <p:cNvPr id="3" name="内容占位符 2"/>
+          <p:cNvSpPr>
+            <a:spLocks noGrp="1"/>
+          </p:cNvSpPr>
+          <p:nvPr>
+            <p:ph idx="1"/>
+          </p:nvPr>
+        </p:nvSpPr>
+        <p:spPr>
+          <a:xfrm>
+            <a:off x="611505" y="1490345"/>
+            <a:ext cx="11156950" cy="4759325"/>
+          </a:xfrm>
+        </p:spPr>
+        <p:txBody>
+          <a:bodyPr>
+            <a:normAutofit lnSpcReduction="20000"/>
+          </a:bodyPr>
+          <a:p>
+            <a:pPr marL="342900" indent="-342900">
+              <a:buAutoNum type="arabicPeriod"/>
+            </a:pPr>
+            <a:r>
+              <a:rPr lang="en-US" altLang="zh-CN"/>
+              <a:t>业</a:t>
+            </a:r>
+            <a:r>
+              <a:t>务测试用例作为基础，并且对业务用例划分</a:t>
+            </a:r>
+            <a:r>
+              <a:rPr lang="en-US" altLang="zh-CN"/>
+              <a:t>core</a:t>
+            </a:r>
+            <a:r>
+              <a:t>、</a:t>
+            </a:r>
+            <a:r>
+              <a:rPr lang="en-US" altLang="zh-CN"/>
+              <a:t>smoke</a:t>
+            </a:r>
+            <a:r>
+              <a:t>、</a:t>
+            </a:r>
+            <a:r>
+              <a:rPr lang="en-US" altLang="zh-CN"/>
+              <a:t>specificTest</a:t>
+            </a:r>
+            <a:r>
+              <a:t>、</a:t>
+            </a:r>
+            <a:r>
+              <a:rPr lang="en-US" altLang="zh-CN"/>
+              <a:t>bugTest</a:t>
+            </a:r>
+            <a:endParaRPr lang="en-US" altLang="zh-CN"/>
+          </a:p>
+          <a:p>
+            <a:pPr marL="342900" indent="-342900">
+              <a:buAutoNum type="arabicPeriod"/>
+            </a:pPr>
+            <a:r>
+              <a:rPr>
+                <a:sym typeface="+mn-ea"/>
+              </a:rPr>
+              <a:t>测试用例编写、维护健全性</a:t>
+            </a:r>
+            <a:endParaRPr>
+              <a:sym typeface="+mn-ea"/>
+            </a:endParaRPr>
+          </a:p>
+          <a:p>
+            <a:pPr marL="342900" indent="-342900">
+              <a:buAutoNum type="arabicPeriod"/>
+            </a:pPr>
+            <a:r>
+              <a:t>大概仍有</a:t>
+            </a:r>
+            <a:r>
+              <a:rPr lang="en-US" altLang="zh-CN"/>
+              <a:t>30+</a:t>
+            </a:r>
+            <a:r>
+              <a:t>个</a:t>
+            </a:r>
+            <a:r>
+              <a:rPr lang="en-US" altLang="zh-CN"/>
+              <a:t>page</a:t>
+            </a:r>
+            <a:r>
+              <a:t>未开始封装（</a:t>
+            </a:r>
+            <a:r>
+              <a:rPr lang="en-US" altLang="zh-CN"/>
+              <a:t>page</a:t>
+            </a:r>
+            <a:r>
+              <a:t>里的页面元素，页面元素组合串成相应的业务逻辑</a:t>
+            </a:r>
+            <a:r>
+              <a:t>）</a:t>
+            </a:r>
+          </a:p>
+          <a:p>
+            <a:pPr marL="342900" indent="-342900">
+              <a:buAutoNum type="arabicPeriod"/>
+            </a:pPr>
+            <a:r>
+              <a:t>一些定位技术上的难点攻克，比如我们盘中页面刷新过快了，</a:t>
+            </a:r>
+            <a:r>
+              <a:rPr lang="en-US" altLang="zh-CN"/>
+              <a:t>appium</a:t>
+            </a:r>
+            <a:r>
+              <a:t>要</a:t>
+            </a:r>
+            <a:r>
+              <a:rPr lang="en-US" altLang="zh-CN"/>
+              <a:t>waitForIdle</a:t>
+            </a:r>
+            <a:r>
+              <a:t>才能操作。影响脚本速度</a:t>
+            </a:r>
+          </a:p>
+          <a:p>
+            <a:pPr marL="342900" indent="-342900">
+              <a:buAutoNum type="arabicPeriod"/>
+            </a:pPr>
+            <a:r>
+              <a:rPr lang="en-US" altLang="zh-CN"/>
+              <a:t>Driver</a:t>
+            </a:r>
+            <a:r>
+              <a:t>与</a:t>
+            </a:r>
+            <a:r>
+              <a:rPr lang="en-US" altLang="zh-CN"/>
+              <a:t>appium</a:t>
+            </a:r>
+            <a:r>
+              <a:t>底层交互的一些优化（都不会影响业务测试用例）</a:t>
+            </a:r>
+          </a:p>
+        </p:txBody>
+      </p:sp>
+    </p:spTree>
+    <p:custDataLst>
+      <p:tags r:id="rId1"/>
+    </p:custDataLst>
+  </p:cSld>
+  <p:clrMapOvr>
+    <a:masterClrMapping/>
+  </p:clrMapOvr>
+  <p:transition/>
+</p:sld>
+</file>
+
+<file path=ppt/slides/slide2.xml><?xml version="1.0" encoding="utf-8"?>
+<p:sld xmlns:a="http://schemas.openxmlformats.org/drawingml/2006/main" xmlns:r="http://schemas.openxmlformats.org/officeDocument/2006/relationships" xmlns:p="http://schemas.openxmlformats.org/presentationml/2006/main">
+  <p:cSld>
+    <p:spTree>
+      <p:nvGrpSpPr>
+        <p:cNvPr id="1" name=""/>
+        <p:cNvGrpSpPr/>
+        <p:nvPr/>
+      </p:nvGrpSpPr>
+      <p:grpSpPr/>
+      <p:sp>
+        <p:nvSpPr>
+          <p:cNvPr id="2" name="标题 1"/>
+          <p:cNvSpPr>
+            <a:spLocks noGrp="1"/>
+          </p:cNvSpPr>
+          <p:nvPr>
+            <p:ph type="title"/>
+          </p:nvPr>
+        </p:nvSpPr>
+        <p:spPr>
+          <a:xfrm>
+            <a:off x="608400" y="589350"/>
+            <a:ext cx="10969200" cy="705600"/>
+          </a:xfrm>
+        </p:spPr>
+        <p:txBody>
+          <a:bodyPr/>
+          <a:p>
+            <a:r>
+              <a:t>自动化能解决当前什么问题</a:t>
+            </a:r>
+            <a:endParaRPr lang="en-US" altLang="zh-CN"/>
+          </a:p>
+        </p:txBody>
+      </p:sp>
+      <p:sp>
+        <p:nvSpPr>
+          <p:cNvPr id="3" name="内容占位符 2"/>
+          <p:cNvSpPr>
+            <a:spLocks noGrp="1"/>
+          </p:cNvSpPr>
+          <p:nvPr>
+            <p:ph idx="1"/>
+          </p:nvPr>
+        </p:nvSpPr>
+        <p:spPr/>
+        <p:txBody>
+          <a:bodyPr>
+            <a:normAutofit lnSpcReduction="10000"/>
+          </a:bodyPr>
+          <a:p>
+            <a:pPr marL="342900" indent="-342900">
+              <a:buAutoNum type="arabicPeriod"/>
+            </a:pPr>
+            <a:r>
+              <a:t>帮助测试人员发版前回归基础功能，降低线上事故率</a:t>
+            </a:r>
+          </a:p>
+          <a:p>
+            <a:pPr marL="342900" indent="-342900">
+              <a:buAutoNum type="arabicPeriod"/>
+            </a:pPr>
+            <a:r>
+              <a:t>开发人员做完自己的需求后，可以批跑可能影响到的模块冒烟用例，检查是否有冒烟事故</a:t>
+            </a:r>
+          </a:p>
+          <a:p>
+            <a:pPr marL="342900" indent="-342900">
+              <a:buAutoNum type="arabicPeriod"/>
+            </a:pPr>
+            <a:r>
+              <a:t>版本正式转测初就对基础功能校验，防止后续测试进度卡滞</a:t>
+            </a:r>
+          </a:p>
+          <a:p>
+            <a:pPr marL="342900" indent="-342900">
+              <a:buAutoNum type="arabicPeriod"/>
+            </a:pPr>
+            <a:r>
+              <a:t>可以自动化测试  多种不同终端的重复测试工作</a:t>
+            </a:r>
+          </a:p>
+          <a:p>
+            <a:pPr marL="342900" indent="-342900">
+              <a:buAutoNum type="arabicPeriod"/>
+            </a:pPr>
+            <a:r>
+              <a:t>旧迭代测试用例的可集成、复用，保证旧版本旧功能在新迭代中也能被测试到</a:t>
+            </a:r>
+          </a:p>
+          <a:p>
+            <a:pPr marL="342900" indent="-342900">
+              <a:buAutoNum type="arabicPeriod"/>
+            </a:pPr>
+            <a:r>
+              <a:t>发现人力很难观察到的内存泄漏、长时间使用后稳定变差等问题</a:t>
+            </a:r>
+          </a:p>
+          <a:p>
+            <a:pPr marL="342900" indent="-342900">
+              <a:buAutoNum type="arabicPeriod"/>
+            </a:pPr>
+            <a:r>
+              <a:t>自动化是性能测试的基础，对后续可能需要的性能测试做准备</a:t>
+            </a:r>
+          </a:p>
+          <a:p>
+            <a:pPr marL="342900" indent="-342900">
+              <a:buAutoNum type="arabicPeriod"/>
+            </a:pPr>
+            <a:r>
+              <a:rPr lang="en-US" altLang="zh-CN"/>
+              <a:t>...</a:t>
+            </a:r>
+            <a:endParaRPr lang="en-US" altLang="zh-CN"/>
+          </a:p>
+        </p:txBody>
+      </p:sp>
+    </p:spTree>
+    <p:custDataLst>
+      <p:tags r:id="rId1"/>
+    </p:custDataLst>
+  </p:cSld>
+  <p:clrMapOvr>
+    <a:masterClrMapping/>
+  </p:clrMapOvr>
+  <p:transition/>
+</p:sld>
+</file>
+
+<file path=ppt/slides/slide3.xml><?xml version="1.0" encoding="utf-8"?>
+<p:sld xmlns:a="http://schemas.openxmlformats.org/drawingml/2006/main" xmlns:r="http://schemas.openxmlformats.org/officeDocument/2006/relationships" xmlns:p="http://schemas.openxmlformats.org/presentationml/2006/main">
+  <p:cSld>
+    <p:spTree>
+      <p:nvGrpSpPr>
+        <p:cNvPr id="1" name=""/>
+        <p:cNvGrpSpPr/>
+        <p:nvPr/>
+      </p:nvGrpSpPr>
+      <p:grpSpPr/>
+      <p:sp>
+        <p:nvSpPr>
+          <p:cNvPr id="2" name="标题 1"/>
+          <p:cNvSpPr>
+            <a:spLocks noGrp="1"/>
+          </p:cNvSpPr>
+          <p:nvPr>
+            <p:ph type="title"/>
+          </p:nvPr>
+        </p:nvSpPr>
+        <p:spPr/>
+        <p:txBody>
+          <a:bodyPr/>
+          <a:p>
+            <a:r>
+              <a:rPr lang="zh-CN" altLang="en-US"/>
+              <a:t>所以我们需要个怎么样的自动化</a:t>
+            </a:r>
+            <a:endParaRPr lang="zh-CN" altLang="en-US"/>
+          </a:p>
+        </p:txBody>
+      </p:sp>
+      <p:sp>
+        <p:nvSpPr>
+          <p:cNvPr id="3" name="内容占位符 2"/>
+          <p:cNvSpPr>
+            <a:spLocks noGrp="1"/>
+          </p:cNvSpPr>
+          <p:nvPr>
+            <p:ph idx="1"/>
+          </p:nvPr>
+        </p:nvSpPr>
+        <p:spPr/>
+        <p:txBody>
+          <a:bodyPr/>
+          <a:p>
+            <a:pPr marL="342900" indent="-342900">
+              <a:buAutoNum type="arabicPeriod"/>
+            </a:pPr>
+            <a:r>
+              <a:rPr lang="zh-CN" altLang="en-US"/>
+              <a:t>区别出不同类别用例，冒烟、基础功能、旧迭代功能、新迭代需求</a:t>
+            </a:r>
+            <a:endParaRPr lang="zh-CN" altLang="en-US"/>
+          </a:p>
+          <a:p>
+            <a:pPr marL="342900" indent="-342900">
+              <a:buAutoNum type="arabicPeriod"/>
+            </a:pPr>
+            <a:r>
+              <a:rPr lang="zh-CN" altLang="en-US"/>
+              <a:t>清晰的测试报告，甚至有错误截图，帮助开发、测试直接明了观察出异常点</a:t>
+            </a:r>
+            <a:endParaRPr lang="zh-CN" altLang="en-US"/>
+          </a:p>
+          <a:p>
+            <a:pPr marL="342900" indent="-342900">
+              <a:buAutoNum type="arabicPeriod"/>
+            </a:pPr>
+            <a:r>
+              <a:rPr lang="zh-CN" altLang="en-US"/>
+              <a:t>集成</a:t>
+            </a:r>
+            <a:r>
+              <a:rPr lang="en-US" altLang="zh-CN"/>
+              <a:t>jenkins</a:t>
+            </a:r>
+            <a:r>
+              <a:t>，对接服务器，实现一键冒烟，一键全量测试，定时批跑保持稳定性</a:t>
+            </a:r>
+          </a:p>
+          <a:p>
+            <a:pPr marL="342900" indent="-342900">
+              <a:buAutoNum type="arabicPeriod"/>
+            </a:pPr>
+            <a:r>
+              <a:t>用例编写简单，代码能力要求不高</a:t>
+            </a:r>
+          </a:p>
+          <a:p>
+            <a:pPr marL="342900" indent="-342900">
+              <a:buAutoNum type="arabicPeriod"/>
+            </a:pPr>
+            <a:r>
+              <a:t>用例维护成本低，屏蔽各类变化对业务用例的影响</a:t>
+            </a:r>
+          </a:p>
+          <a:p>
+            <a:pPr marL="342900" indent="-342900">
+              <a:buAutoNum type="arabicPeriod"/>
+            </a:pPr>
+            <a:r>
+              <a:t>安卓、</a:t>
+            </a:r>
+            <a:r>
+              <a:rPr lang="en-US" altLang="zh-CN"/>
+              <a:t>iOS</a:t>
+            </a:r>
+            <a:r>
+              <a:t>可以封装差异，业务用例依旧可以通用</a:t>
+            </a:r>
+          </a:p>
+        </p:txBody>
+      </p:sp>
+    </p:spTree>
+    <p:custDataLst>
+      <p:tags r:id="rId1"/>
+    </p:custDataLst>
+  </p:cSld>
+  <p:clrMapOvr>
+    <a:masterClrMapping/>
+  </p:clrMapOvr>
+</p:sld>
+</file>
+
+<file path=ppt/slides/slide4.xml><?xml version="1.0" encoding="utf-8"?>
+<p:sld xmlns:a="http://schemas.openxmlformats.org/drawingml/2006/main" xmlns:r="http://schemas.openxmlformats.org/officeDocument/2006/relationships" xmlns:p="http://schemas.openxmlformats.org/presentationml/2006/main" show="0">
+  <p:cSld>
+    <p:spTree>
+      <p:nvGrpSpPr>
+        <p:cNvPr id="1" name=""/>
+        <p:cNvGrpSpPr/>
+        <p:nvPr/>
+      </p:nvGrpSpPr>
+      <p:grpSpPr/>
+      <p:sp>
+        <p:nvSpPr>
+          <p:cNvPr id="2" name="标题 1"/>
+          <p:cNvSpPr>
+            <a:spLocks noGrp="1"/>
+          </p:cNvSpPr>
+          <p:nvPr>
+            <p:ph type="title"/>
+          </p:nvPr>
+        </p:nvSpPr>
+        <p:spPr/>
+        <p:txBody>
+          <a:bodyPr>
+            <a:normAutofit/>
+          </a:bodyPr>
+          <a:p>
+            <a:r>
+              <a:rPr lang="en-US" altLang="zh-CN"/>
+              <a:t>UI</a:t>
+            </a:r>
+            <a:r>
+              <a:t>自动化遇到的困境</a:t>
+            </a:r>
+          </a:p>
+        </p:txBody>
+      </p:sp>
+      <p:sp>
+        <p:nvSpPr>
+          <p:cNvPr id="3" name="内容占位符 2"/>
+          <p:cNvSpPr>
+            <a:spLocks noGrp="1"/>
+          </p:cNvSpPr>
+          <p:nvPr>
+            <p:ph idx="1"/>
+          </p:nvPr>
+        </p:nvSpPr>
+        <p:spPr/>
+        <p:txBody>
+          <a:bodyPr/>
+          <a:p>
+            <a:r>
+              <a:rPr lang="zh-CN" altLang="en-US"/>
+              <a:t>测试用例管理。想要根据不同情况，批跑不同类型的用例</a:t>
+            </a:r>
+            <a:endParaRPr lang="zh-CN" altLang="en-US"/>
+          </a:p>
+          <a:p>
+            <a:r>
+              <a:rPr lang="zh-CN" altLang="en-US"/>
+              <a:t>测试用例可集成。旧功能测试用例可以继续维护，对后续版本迭代起到测试作用</a:t>
+            </a:r>
+            <a:endParaRPr lang="zh-CN" altLang="en-US"/>
+          </a:p>
+          <a:p>
+            <a:r>
+              <a:rPr lang="zh-CN" altLang="en-US"/>
+              <a:t>测试问题定位。自动化失败后，测试、开发人员如何读懂自动化呈现的问题</a:t>
+            </a:r>
+            <a:endParaRPr lang="zh-CN" altLang="en-US"/>
+          </a:p>
+          <a:p>
+            <a:r>
+              <a:rPr lang="en-US" altLang="zh-CN"/>
+              <a:t>appium</a:t>
+            </a:r>
+            <a:r>
+              <a:t>、</a:t>
+            </a:r>
+            <a:r>
+              <a:rPr lang="en-US" altLang="zh-CN"/>
+              <a:t>macaca</a:t>
+            </a:r>
+            <a:r>
+              <a:t>等等</a:t>
+            </a:r>
+            <a:r>
+              <a:rPr lang="en-US" altLang="zh-CN"/>
+              <a:t>adb</a:t>
+            </a:r>
+            <a:r>
+              <a:t>交互</a:t>
+            </a:r>
+            <a:r>
+              <a:t>软件，更改、升级导致的维护成本</a:t>
+            </a:r>
+          </a:p>
+          <a:p>
+            <a:r>
+              <a:t>自动化用例编写、维护</a:t>
+            </a:r>
+          </a:p>
+          <a:p>
+            <a:pPr algn="l"/>
+            <a:r>
+              <a:t>测试数据管理</a:t>
+            </a:r>
+          </a:p>
+          <a:p>
+            <a:pPr algn="l"/>
+            <a:r>
+              <a:t>平台搭建完毕后的后续可扩展</a:t>
+            </a:r>
+          </a:p>
+          <a:p>
+            <a:pPr algn="l"/>
+            <a:r>
+              <a:t>易星软件在盘中刷新过快，</a:t>
+            </a:r>
+            <a:r>
+              <a:rPr lang="en-US" altLang="zh-CN"/>
+              <a:t>appium</a:t>
+            </a:r>
+            <a:r>
+              <a:t>底层的查找定位效率不高</a:t>
+            </a:r>
+          </a:p>
+        </p:txBody>
+      </p:sp>
+    </p:spTree>
+    <p:custDataLst>
+      <p:tags r:id="rId1"/>
+    </p:custDataLst>
+  </p:cSld>
+  <p:clrMapOvr>
+    <a:masterClrMapping/>
+  </p:clrMapOvr>
+  <p:transition/>
+</p:sld>
+</file>
+
+<file path=ppt/slides/slide5.xml><?xml version="1.0" encoding="utf-8"?>
+<p:sld xmlns:a="http://schemas.openxmlformats.org/drawingml/2006/main" xmlns:r="http://schemas.openxmlformats.org/officeDocument/2006/relationships" xmlns:p="http://schemas.openxmlformats.org/presentationml/2006/main">
+  <p:cSld>
+    <p:spTree>
+      <p:nvGrpSpPr>
+        <p:cNvPr id="1" name=""/>
+        <p:cNvGrpSpPr/>
+        <p:nvPr/>
+      </p:nvGrpSpPr>
+      <p:grpSpPr/>
+      <p:sp>
+        <p:nvSpPr>
+          <p:cNvPr id="2" name="标题 1"/>
+          <p:cNvSpPr>
+            <a:spLocks noGrp="1"/>
+          </p:cNvSpPr>
+          <p:nvPr>
+            <p:ph type="title"/>
+          </p:nvPr>
+        </p:nvSpPr>
+        <p:spPr/>
+        <p:txBody>
+          <a:bodyPr/>
+          <a:p>
+            <a:r>
+              <a:rPr lang="en-US" altLang="zh-CN"/>
+              <a:t>pytest介</a:t>
+            </a:r>
+            <a:r>
+              <a:t>绍</a:t>
+            </a:r>
+          </a:p>
+        </p:txBody>
+      </p:sp>
+      <p:sp>
+        <p:nvSpPr>
+          <p:cNvPr id="3" name="内容占位符 2"/>
+          <p:cNvSpPr>
+            <a:spLocks noGrp="1"/>
+          </p:cNvSpPr>
+          <p:nvPr>
+            <p:ph idx="1"/>
+          </p:nvPr>
+        </p:nvSpPr>
+        <p:spPr/>
+        <p:txBody>
+          <a:bodyPr>
+            <a:normAutofit lnSpcReduction="10000"/>
+          </a:bodyPr>
+          <a:p>
+            <a:pPr marL="342900" indent="-342900">
+              <a:buAutoNum type="arabicPeriod"/>
+            </a:pPr>
+            <a:r>
+              <a:rPr lang="en-US" altLang="zh-CN"/>
+              <a:t>pytest</a:t>
+            </a:r>
+            <a:r>
+              <a:t>一大特色：</a:t>
+            </a:r>
+            <a:r>
+              <a:rPr lang="en-US" altLang="zh-CN"/>
+              <a:t>fixture</a:t>
+            </a:r>
+            <a:r>
+              <a:t>，用例前缀管理。可以对测试用例添加自定义的</a:t>
+            </a:r>
+            <a:r>
+              <a:rPr lang="en-US" altLang="zh-CN"/>
+              <a:t>fixture</a:t>
+            </a:r>
+            <a:r>
+              <a:t>，比如：</a:t>
+            </a:r>
+          </a:p>
+          <a:p>
+            <a:pPr marL="800100" lvl="1" indent="-342900">
+              <a:buAutoNum type="arabicPeriod"/>
+            </a:pPr>
+            <a:r>
+              <a:rPr lang="en-US" altLang="zh-CN"/>
+              <a:t>“smoke”	</a:t>
+            </a:r>
+            <a:r>
+              <a:t>该测试用例用于冒烟测试（给与开发人员验证，新功能对</a:t>
+            </a:r>
+            <a:r>
+              <a:rPr lang="en-US" altLang="zh-CN"/>
+              <a:t>app</a:t>
+            </a:r>
+            <a:r>
+              <a:t>没有严重阻塞</a:t>
+            </a:r>
+            <a:r>
+              <a:t>）</a:t>
+            </a:r>
+          </a:p>
+          <a:p>
+            <a:pPr marL="800100" lvl="1" indent="-342900">
+              <a:buAutoNum type="arabicPeriod"/>
+            </a:pPr>
+            <a:r>
+              <a:rPr lang="en-US" altLang="zh-CN"/>
+              <a:t>“core”		</a:t>
+            </a:r>
+            <a:r>
+              <a:t>该测试用例涉及核心功能（给与测试人员版本回归、基础验证）</a:t>
+            </a:r>
+            <a:endParaRPr lang="en-US" altLang="zh-CN"/>
+          </a:p>
+          <a:p>
+            <a:pPr marL="800100" lvl="1" indent="-342900">
+              <a:buAutoNum type="arabicPeriod"/>
+            </a:pPr>
+            <a:r>
+              <a:rPr lang="en-US" altLang="zh-CN"/>
+              <a:t>“specific_login”  </a:t>
+            </a:r>
+            <a:r>
+              <a:t>该测试用例对具体功能全面测试，可能涉及数据驱动，各类非法输入，性能压测等等</a:t>
+            </a:r>
+          </a:p>
+          <a:p>
+            <a:pPr marL="0" lvl="0" indent="0">
+              <a:buNone/>
+            </a:pPr>
+            <a:r>
+              <a:t>有了这些前缀修饰用例后，需要单独跑某几种前缀的用例时，只要</a:t>
+            </a:r>
+            <a:r>
+              <a:rPr lang="en-US" altLang="zh-CN"/>
+              <a:t>pytest -mark xxxx</a:t>
+            </a:r>
+            <a:r>
+              <a:t>就能做到。非常高效、方便。。这是</a:t>
+            </a:r>
+            <a:r>
+              <a:rPr lang="en-US" altLang="zh-CN"/>
+              <a:t>unittest</a:t>
+            </a:r>
+            <a:r>
+              <a:t>不具备的</a:t>
+            </a:r>
+          </a:p>
+          <a:p>
+            <a:pPr marL="0" lvl="0" indent="0">
+              <a:buNone/>
+            </a:pPr>
+            <a:r>
+              <a:rPr lang="en-US" altLang="zh-CN"/>
+              <a:t>2. pytest</a:t>
+            </a:r>
+            <a:r>
+              <a:t>提供超多的钩子函数，</a:t>
+            </a:r>
+            <a:r>
+              <a:rPr>
+                <a:sym typeface="+mn-ea"/>
+              </a:rPr>
+              <a:t>可扩展性非常良好。</a:t>
+            </a:r>
+            <a:endParaRPr>
+              <a:sym typeface="+mn-ea"/>
+            </a:endParaRPr>
+          </a:p>
+          <a:p>
+            <a:pPr marL="0" lvl="0" indent="0">
+              <a:buNone/>
+            </a:pPr>
+            <a:r>
+              <a:rPr lang="en-US" altLang="zh-CN">
+                <a:sym typeface="+mn-ea"/>
+              </a:rPr>
+              <a:t>3. </a:t>
+            </a:r>
+            <a:r>
+              <a:rPr>
+                <a:sym typeface="+mn-ea"/>
+              </a:rPr>
+              <a:t>也是因为</a:t>
+            </a:r>
+            <a:r>
+              <a:rPr lang="en-US" altLang="zh-CN">
+                <a:sym typeface="+mn-ea"/>
+              </a:rPr>
+              <a:t>2</a:t>
+            </a:r>
+            <a:r>
+              <a:rPr>
+                <a:sym typeface="+mn-ea"/>
+              </a:rPr>
+              <a:t>，</a:t>
+            </a:r>
+            <a:r>
+              <a:t>解释了为什么有这么多人员为它开发第三方库。比如多进程并发，就有成熟的</a:t>
+            </a:r>
+            <a:r>
+              <a:rPr lang="en-US" altLang="zh-CN"/>
+              <a:t>pytest-xdist</a:t>
+            </a:r>
+            <a:r>
+              <a:t>库，测试代码覆盖率，有</a:t>
+            </a:r>
+            <a:r>
+              <a:rPr lang="en-US" altLang="zh-CN"/>
+              <a:t>pytest-cov</a:t>
+            </a:r>
+            <a:r>
+              <a:t>等等等等。越来越受人欢迎</a:t>
+            </a:r>
+          </a:p>
+          <a:p>
+            <a:pPr marL="0" lvl="0" indent="0">
+              <a:buNone/>
+            </a:pPr>
+            <a:r>
+              <a:rPr lang="en-US" altLang="zh-CN"/>
+              <a:t>3. </a:t>
+            </a:r>
+            <a:r>
+              <a:t>集成了</a:t>
+            </a:r>
+            <a:r>
+              <a:rPr lang="en-US" altLang="zh-CN"/>
+              <a:t>allure</a:t>
+            </a:r>
+            <a:r>
+              <a:t>报告、</a:t>
+            </a:r>
+            <a:r>
+              <a:rPr lang="en-US" altLang="zh-CN"/>
+              <a:t>jenkins</a:t>
+            </a:r>
+            <a:r>
+              <a:t>集成等等实用功能</a:t>
+            </a:r>
+          </a:p>
+          <a:p>
+            <a:pPr marL="0" lvl="0" indent="0">
+              <a:buNone/>
+            </a:pPr>
+            <a:r>
+              <a:rPr lang="en-US" altLang="zh-CN"/>
+              <a:t>4. </a:t>
+            </a:r>
+            <a:r>
+              <a:t>上手轻松，简单易学</a:t>
+            </a:r>
+          </a:p>
+        </p:txBody>
+      </p:sp>
+    </p:spTree>
+    <p:custDataLst>
+      <p:tags r:id="rId1"/>
+    </p:custDataLst>
+  </p:cSld>
+  <p:clrMapOvr>
+    <a:masterClrMapping/>
+  </p:clrMapOvr>
+  <p:transition/>
+</p:sld>
+</file>
+
+<file path=ppt/slides/slide6.xml><?xml version="1.0" encoding="utf-8"?>
+<p:sld xmlns:a="http://schemas.openxmlformats.org/drawingml/2006/main" xmlns:r="http://schemas.openxmlformats.org/officeDocument/2006/relationships" xmlns:p="http://schemas.openxmlformats.org/presentationml/2006/main">
+  <p:cSld>
+    <p:spTree>
+      <p:nvGrpSpPr>
+        <p:cNvPr id="1" name=""/>
+        <p:cNvGrpSpPr/>
+        <p:nvPr/>
+      </p:nvGrpSpPr>
+      <p:grpSpPr/>
+      <p:sp>
+        <p:nvSpPr>
+          <p:cNvPr id="2" name="标题 1"/>
+          <p:cNvSpPr>
+            <a:spLocks noGrp="1"/>
+          </p:cNvSpPr>
+          <p:nvPr>
+            <p:ph type="title"/>
+          </p:nvPr>
+        </p:nvSpPr>
+        <p:spPr/>
+        <p:txBody>
+          <a:bodyPr/>
+          <a:p>
+            <a:r>
+              <a:rPr lang="zh-CN" altLang="en-US"/>
+              <a:t>非常丰富的钩子函数可以使用</a:t>
+            </a:r>
+            <a:endParaRPr lang="zh-CN" altLang="en-US"/>
+          </a:p>
+        </p:txBody>
+      </p:sp>
+      <p:pic>
+        <p:nvPicPr>
+          <p:cNvPr id="3" name="图片 2"/>
+          <p:cNvPicPr>
+            <a:picLocks noChangeAspect="1"/>
+          </p:cNvPicPr>
+          <p:nvPr/>
+        </p:nvPicPr>
+        <p:blipFill>
+          <a:blip r:embed="rId1"/>
+          <a:stretch>
+            <a:fillRect/>
+          </a:stretch>
+        </p:blipFill>
+        <p:spPr>
+          <a:xfrm>
+            <a:off x="1694815" y="2508885"/>
+            <a:ext cx="8467725" cy="2695575"/>
+          </a:xfrm>
+          <a:prstGeom prst="rect">
+            <a:avLst/>
+          </a:prstGeom>
+        </p:spPr>
+      </p:pic>
+      <p:pic>
+        <p:nvPicPr>
+          <p:cNvPr id="5" name="图片 4"/>
+          <p:cNvPicPr>
+            <a:picLocks noChangeAspect="1"/>
+          </p:cNvPicPr>
+          <p:nvPr/>
+        </p:nvPicPr>
+        <p:blipFill>
+          <a:blip r:embed="rId2"/>
+          <a:srcRect t="30541"/>
+          <a:stretch>
+            <a:fillRect/>
+          </a:stretch>
+        </p:blipFill>
+        <p:spPr>
+          <a:xfrm>
+            <a:off x="1280160" y="1330960"/>
+            <a:ext cx="7668895" cy="5304155"/>
+          </a:xfrm>
+          <a:prstGeom prst="rect">
+            <a:avLst/>
+          </a:prstGeom>
+        </p:spPr>
+      </p:pic>
+    </p:spTree>
+    <p:custDataLst>
+      <p:tags r:id="rId3"/>
+    </p:custDataLst>
+  </p:cSld>
+  <p:clrMapOvr>
+    <a:masterClrMapping/>
+  </p:clrMapOvr>
+  <p:timing>
+    <p:tnLst>
+      <p:par>
+        <p:cTn id="1" dur="indefinite" restart="never" nodeType="tmRoot">
+          <p:childTnLst>
+            <p:seq concurrent="1" nextAc="seek">
+              <p:cTn id="2" dur="indefinite" nodeType="mainSeq">
+                <p:childTnLst>
+                  <p:par>
+                    <p:cTn id="3" fill="hold">
+                      <p:stCondLst>
+                        <p:cond delay="indefinite"/>
+                      </p:stCondLst>
+                      <p:childTnLst>
+                        <p:par>
+                          <p:cTn id="4" fill="hold">
+                            <p:stCondLst>
+                              <p:cond delay="0"/>
+                            </p:stCondLst>
+                            <p:childTnLst>
+                              <p:par>
+                                <p:cTn id="5" presetID="2" presetClass="entr" presetSubtype="4" fill="hold" nodeType="clickEffect">
+                                  <p:stCondLst>
+                                    <p:cond delay="0"/>
+                                  </p:stCondLst>
+                                  <p:childTnLst>
+                                    <p:set>
+                                      <p:cBhvr>
+                                        <p:cTn id="6" dur="1" fill="hold">
+                                          <p:stCondLst>
+                                            <p:cond delay="0"/>
+                                          </p:stCondLst>
+                                        </p:cTn>
+                                        <p:tgtEl>
+                                          <p:spTgt spid="5"/>
+                                        </p:tgtEl>
+                                        <p:attrNameLst>
+                                          <p:attrName>style.visibility</p:attrName>
+                                        </p:attrNameLst>
+                                      </p:cBhvr>
+                                      <p:to>
+                                        <p:strVal val="visible"/>
+                                      </p:to>
+                                    </p:set>
+                                    <p:anim calcmode="lin" valueType="num">
+                                      <p:cBhvr additive="base">
+                                        <p:cTn id="7" dur="500" fill="hold"/>
+                                        <p:tgtEl>
+                                          <p:spTgt spid="5"/>
+                                        </p:tgtEl>
+                                        <p:attrNameLst>
+                                          <p:attrName>ppt_x</p:attrName>
+                                        </p:attrNameLst>
+                                      </p:cBhvr>
+                                      <p:tavLst>
+                                        <p:tav tm="0">
+                                          <p:val>
+                                            <p:strVal val="#ppt_x"/>
+                                          </p:val>
+                                        </p:tav>
+                                        <p:tav tm="100000">
+                                          <p:val>
+                                            <p:strVal val="#ppt_x"/>
+                                          </p:val>
+                                        </p:tav>
+                                      </p:tavLst>
+                                    </p:anim>
+                                    <p:anim calcmode="lin" valueType="num">
+                                      <p:cBhvr additive="base">
+                                        <p:cTn id="8" dur="500" fill="hold"/>
+                                        <p:tgtEl>
+                                          <p:spTgt spid="5"/>
+                                        </p:tgtEl>
+                                        <p:attrNameLst>
+                                          <p:attrName>ppt_y</p:attrName>
+                                        </p:attrNameLst>
+                                      </p:cBhvr>
+                                      <p:tavLst>
+                                        <p:tav tm="0">
+                                          <p:val>
+                                            <p:strVal val="1+#ppt_h/2"/>
+                                          </p:val>
+                                        </p:tav>
+                                        <p:tav tm="100000">
+                                          <p:val>
+                                            <p:strVal val="#ppt_y"/>
+                                          </p:val>
+                                        </p:tav>
+                                      </p:tavLst>
+                                    </p:anim>
+                                  </p:childTnLst>
+                                </p:cTn>
+                              </p:par>
+                            </p:childTnLst>
+                          </p:cTn>
+                        </p:par>
+                      </p:childTnLst>
+                    </p:cTn>
+                  </p:par>
+                </p:childTnLst>
+              </p:cTn>
+              <p:prevCondLst>
+                <p:cond evt="onPrev" delay="0">
+                  <p:tgtEl>
+                    <p:sldTgt/>
+                  </p:tgtEl>
+                </p:cond>
+              </p:prevCondLst>
+              <p:nextCondLst>
+                <p:cond evt="onNext" delay="0">
+                  <p:tgtEl>
+                    <p:sldTgt/>
+                  </p:tgtEl>
+                </p:cond>
+              </p:nextCondLst>
+            </p:seq>
+          </p:childTnLst>
+        </p:cTn>
+      </p:par>
+    </p:tnLst>
+  </p:timing>
+</p:sld>
+</file>
+
+<file path=ppt/slides/slide7.xml><?xml version="1.0" encoding="utf-8"?>
+<p:sld xmlns:a="http://schemas.openxmlformats.org/drawingml/2006/main" xmlns:r="http://schemas.openxmlformats.org/officeDocument/2006/relationships" xmlns:p="http://schemas.openxmlformats.org/presentationml/2006/main">
+  <p:cSld>
+    <p:spTree>
+      <p:nvGrpSpPr>
+        <p:cNvPr id="1" name=""/>
+        <p:cNvGrpSpPr/>
+        <p:nvPr/>
+      </p:nvGrpSpPr>
+      <p:grpSpPr/>
+      <p:sp>
+        <p:nvSpPr>
+          <p:cNvPr id="2" name="标题 1"/>
+          <p:cNvSpPr>
+            <a:spLocks noGrp="1"/>
+          </p:cNvSpPr>
+          <p:nvPr>
+            <p:ph type="title"/>
+          </p:nvPr>
+        </p:nvSpPr>
+        <p:spPr/>
+        <p:txBody>
+          <a:bodyPr/>
+          <a:p>
+            <a:r>
+              <a:rPr lang="en-US" altLang="zh-CN"/>
+              <a:t>pytest</a:t>
+            </a:r>
+            <a:r>
+              <a:t>有非常多的开源第三方库支持使用</a:t>
+            </a:r>
+          </a:p>
+        </p:txBody>
+      </p:sp>
+      <p:pic>
+        <p:nvPicPr>
+          <p:cNvPr id="7" name="图片 6"/>
+          <p:cNvPicPr>
+            <a:picLocks noChangeAspect="1"/>
+          </p:cNvPicPr>
+          <p:nvPr/>
+        </p:nvPicPr>
+        <p:blipFill>
+          <a:blip r:embed="rId1"/>
+          <a:stretch>
+            <a:fillRect/>
+          </a:stretch>
+        </p:blipFill>
+        <p:spPr>
+          <a:xfrm>
+            <a:off x="751840" y="1313815"/>
+            <a:ext cx="5953125" cy="3209925"/>
+          </a:xfrm>
+          <a:prstGeom prst="rect">
+            <a:avLst/>
+          </a:prstGeom>
+        </p:spPr>
+      </p:pic>
+      <p:pic>
+        <p:nvPicPr>
+          <p:cNvPr id="4" name="内容占位符 3"/>
+          <p:cNvPicPr>
+            <a:picLocks noChangeAspect="1"/>
+          </p:cNvPicPr>
+          <p:nvPr>
+            <p:ph idx="1"/>
+          </p:nvPr>
+        </p:nvPicPr>
+        <p:blipFill>
+          <a:blip r:embed="rId2"/>
+          <a:stretch>
+            <a:fillRect/>
+          </a:stretch>
+        </p:blipFill>
+        <p:spPr>
+          <a:xfrm>
+            <a:off x="751840" y="4630420"/>
+            <a:ext cx="6591300" cy="1533525"/>
+          </a:xfrm>
+          <a:prstGeom prst="rect">
+            <a:avLst/>
+          </a:prstGeom>
+        </p:spPr>
+      </p:pic>
+    </p:spTree>
+    <p:custDataLst>
+      <p:tags r:id="rId3"/>
+    </p:custDataLst>
+  </p:cSld>
+  <p:clrMapOvr>
+    <a:masterClrMapping/>
+  </p:clrMapOvr>
+  <p:transition/>
+</p:sld>
+</file>
+
+<file path=ppt/slides/slide8.xml><?xml version="1.0" encoding="utf-8"?>
+<p:sld xmlns:a="http://schemas.openxmlformats.org/drawingml/2006/main" xmlns:r="http://schemas.openxmlformats.org/officeDocument/2006/relationships" xmlns:p="http://schemas.openxmlformats.org/presentationml/2006/main">
+  <p:cSld>
+    <p:spTree>
+      <p:nvGrpSpPr>
+        <p:cNvPr id="1" name=""/>
+        <p:cNvGrpSpPr/>
+        <p:nvPr/>
+      </p:nvGrpSpPr>
+      <p:grpSpPr/>
+      <p:sp>
+        <p:nvSpPr>
+          <p:cNvPr id="2" name="标题 1"/>
+          <p:cNvSpPr>
+            <a:spLocks noGrp="1"/>
+          </p:cNvSpPr>
+          <p:nvPr>
+            <p:ph type="title"/>
+          </p:nvPr>
+        </p:nvSpPr>
+        <p:spPr/>
+        <p:txBody>
+          <a:bodyPr/>
+          <a:p>
+            <a:r>
+              <a:rPr lang="zh-CN" altLang="en-US"/>
+              <a:t>调用流程</a:t>
+            </a:r>
+            <a:endParaRPr lang="zh-CN" altLang="en-US"/>
+          </a:p>
+        </p:txBody>
+      </p:sp>
+      <p:pic>
+        <p:nvPicPr>
+          <p:cNvPr id="4" name="内容占位符 3"/>
+          <p:cNvPicPr>
+            <a:picLocks noChangeAspect="1"/>
+          </p:cNvPicPr>
+          <p:nvPr>
+            <p:ph idx="1"/>
+          </p:nvPr>
+        </p:nvPicPr>
+        <p:blipFill>
+          <a:blip r:embed="rId1"/>
+          <a:stretch>
+            <a:fillRect/>
+          </a:stretch>
+        </p:blipFill>
+        <p:spPr>
+          <a:xfrm>
+            <a:off x="2172970" y="1997710"/>
+            <a:ext cx="7839075" cy="3743325"/>
+          </a:xfrm>
+          <a:prstGeom prst="rect">
+            <a:avLst/>
+          </a:prstGeom>
+        </p:spPr>
+      </p:pic>
+    </p:spTree>
+    <p:custDataLst>
+      <p:tags r:id="rId2"/>
+    </p:custDataLst>
+  </p:cSld>
+  <p:clrMapOvr>
+    <a:masterClrMapping/>
+  </p:clrMapOvr>
 </p:sld>
 </file>
 
@@ -5361,203 +6730,46 @@
           <a:p>
             <a:r>
               <a:rPr lang="zh-CN" altLang="en-US"/>
-              <a:t>为什么用</a:t>
-            </a:r>
-            <a:r>
-              <a:rPr lang="en-US" altLang="zh-CN"/>
-              <a:t>yaml</a:t>
-            </a:r>
-            <a:r>
-              <a:t>管理测试数据</a:t>
-            </a:r>
-          </a:p>
-        </p:txBody>
-      </p:sp>
-      <p:sp>
-        <p:nvSpPr>
-          <p:cNvPr id="3" name="内容占位符 2"/>
-          <p:cNvSpPr>
-            <a:spLocks noGrp="1"/>
-          </p:cNvSpPr>
+              <a:t>项目架构</a:t>
+            </a:r>
+            <a:endParaRPr lang="zh-CN" altLang="en-US"/>
+          </a:p>
+        </p:txBody>
+      </p:sp>
+      <p:pic>
+        <p:nvPicPr>
+          <p:cNvPr id="5" name="内容占位符 4"/>
+          <p:cNvPicPr>
+            <a:picLocks noChangeAspect="1"/>
+          </p:cNvPicPr>
           <p:nvPr>
             <p:ph idx="1"/>
           </p:nvPr>
-        </p:nvSpPr>
-        <p:spPr/>
-        <p:txBody>
-          <a:bodyPr>
-            <a:normAutofit lnSpcReduction="10000"/>
-          </a:bodyPr>
-          <a:p>
-            <a:pPr marL="342900" indent="-342900">
-              <a:buAutoNum type="arabicPeriod"/>
-            </a:pPr>
-            <a:r>
-              <a:rPr lang="en-US" altLang="zh-CN"/>
-              <a:t>pytest</a:t>
-            </a:r>
-            <a:r>
-              <a:t>一大特色：</a:t>
-            </a:r>
-            <a:r>
-              <a:rPr lang="en-US" altLang="zh-CN"/>
-              <a:t>fixture</a:t>
-            </a:r>
-            <a:r>
-              <a:t>，用例前缀管理。可以对测试用例添加自定义的</a:t>
-            </a:r>
-            <a:r>
-              <a:rPr lang="en-US" altLang="zh-CN"/>
-              <a:t>fixture</a:t>
-            </a:r>
-            <a:r>
-              <a:t>，比如：</a:t>
-            </a:r>
-          </a:p>
-          <a:p>
-            <a:pPr marL="800100" lvl="1" indent="-342900">
-              <a:buAutoNum type="arabicPeriod"/>
-            </a:pPr>
-            <a:r>
-              <a:rPr lang="en-US" altLang="zh-CN"/>
-              <a:t>“smoke”	</a:t>
-            </a:r>
-            <a:r>
-              <a:t>该测试用例用于冒烟测试（给与开发人员验证，新功能对</a:t>
-            </a:r>
-            <a:r>
-              <a:rPr lang="en-US" altLang="zh-CN"/>
-              <a:t>app</a:t>
-            </a:r>
-            <a:r>
-              <a:t>没有严重阻塞</a:t>
-            </a:r>
-            <a:r>
-              <a:t>）</a:t>
-            </a:r>
-          </a:p>
-          <a:p>
-            <a:pPr marL="800100" lvl="1" indent="-342900">
-              <a:buAutoNum type="arabicPeriod"/>
-            </a:pPr>
-            <a:r>
-              <a:rPr lang="en-US" altLang="zh-CN"/>
-              <a:t>“fatal”		</a:t>
-            </a:r>
-            <a:r>
-              <a:t>该测试用例涉及核心功能（给与测试人员版本回归、基础验证）</a:t>
-            </a:r>
-            <a:endParaRPr lang="en-US" altLang="zh-CN"/>
-          </a:p>
-          <a:p>
-            <a:pPr marL="800100" lvl="1" indent="-342900">
-              <a:buAutoNum type="arabicPeriod"/>
-            </a:pPr>
-            <a:r>
-              <a:rPr lang="en-US" altLang="zh-CN"/>
-              <a:t>“specific_login”  </a:t>
-            </a:r>
-            <a:r>
-              <a:t>该测试用例对具体功能全面测试，可能涉及数据驱动，各类非法输入，性能压测等等</a:t>
-            </a:r>
-          </a:p>
-          <a:p>
-            <a:pPr marL="0" lvl="0" indent="0">
-              <a:buNone/>
-            </a:pPr>
-            <a:r>
-              <a:t>有了这些前缀修饰用例后，需要单独跑某几种前缀的用例时，只要</a:t>
-            </a:r>
-            <a:r>
-              <a:rPr lang="en-US" altLang="zh-CN"/>
-              <a:t>pytest -mark xxxx</a:t>
-            </a:r>
-            <a:r>
-              <a:t>就能做到。非常高效、方便。。这是</a:t>
-            </a:r>
-            <a:r>
-              <a:rPr lang="en-US" altLang="zh-CN"/>
-              <a:t>unittest</a:t>
-            </a:r>
-            <a:r>
-              <a:t>不具备的</a:t>
-            </a:r>
-          </a:p>
-          <a:p>
-            <a:pPr marL="0" lvl="0" indent="0">
-              <a:buNone/>
-            </a:pPr>
-            <a:r>
-              <a:rPr lang="en-US" altLang="zh-CN"/>
-              <a:t>2. pytest</a:t>
-            </a:r>
-            <a:r>
-              <a:t>提供超多的钩子函数，也解释了为什么有这么多人员为它开发第三方库。可扩展性非常良好，比如多进程并发，就有成熟的</a:t>
-            </a:r>
-            <a:r>
-              <a:rPr lang="en-US" altLang="zh-CN"/>
-              <a:t>pytest-xdist</a:t>
-            </a:r>
-            <a:r>
-              <a:t>库，测试代码覆盖率，有</a:t>
-            </a:r>
-            <a:r>
-              <a:rPr lang="en-US" altLang="zh-CN"/>
-              <a:t>pytest-cov</a:t>
-            </a:r>
-            <a:r>
-              <a:t>等等等等。越来越受人欢迎</a:t>
-            </a:r>
-          </a:p>
-          <a:p>
-            <a:pPr marL="0" lvl="0" indent="0">
-              <a:buNone/>
-            </a:pPr>
-            <a:r>
-              <a:rPr lang="en-US" altLang="zh-CN"/>
-              <a:t>3. </a:t>
-            </a:r>
-            <a:r>
-              <a:t>集成了</a:t>
-            </a:r>
-            <a:r>
-              <a:rPr lang="en-US" altLang="zh-CN"/>
-              <a:t>allure</a:t>
-            </a:r>
-            <a:r>
-              <a:t>报告、</a:t>
-            </a:r>
-            <a:r>
-              <a:rPr lang="en-US" altLang="zh-CN"/>
-              <a:t>jenkins</a:t>
-            </a:r>
-            <a:r>
-              <a:t>集成等等实用功能</a:t>
-            </a:r>
-          </a:p>
-          <a:p>
-            <a:pPr marL="0" lvl="0" indent="0">
-              <a:buNone/>
-            </a:pPr>
-            <a:r>
-              <a:rPr lang="en-US" altLang="zh-CN"/>
-              <a:t>4. </a:t>
-            </a:r>
-            <a:r>
-              <a:t>至今还在维护</a:t>
-            </a:r>
-          </a:p>
-        </p:txBody>
-      </p:sp>
+        </p:nvPicPr>
+        <p:blipFill>
+          <a:blip r:embed="rId1"/>
+          <a:stretch>
+            <a:fillRect/>
+          </a:stretch>
+        </p:blipFill>
+        <p:spPr>
+          <a:xfrm>
+            <a:off x="2180590" y="1490345"/>
+            <a:ext cx="7823200" cy="4759325"/>
+          </a:xfrm>
+          <a:prstGeom prst="rect">
+            <a:avLst/>
+          </a:prstGeom>
+        </p:spPr>
+      </p:pic>
     </p:spTree>
     <p:custDataLst>
-      <p:tags r:id="rId1"/>
+      <p:tags r:id="rId2"/>
     </p:custDataLst>
   </p:cSld>
   <p:clrMapOvr>
     <a:masterClrMapping/>
   </p:clrMapOvr>
-  <p:transition/>
 </p:sld>
 </file>
 
@@ -6463,7 +7675,9 @@
 
 <file path=ppt/tags/tag72.xml><?xml version="1.0" encoding="utf-8"?>
 <p:tagLst xmlns:p="http://schemas.openxmlformats.org/presentationml/2006/main">
-  <p:tag name="KSO_WM_UNIT_PLACING_PICTURE_USER_VIEWPORT" val="{&quot;height&quot;:2805,&quot;width&quot;:7200}"/>
+  <p:tag name="KSO_WM_BEAUTIFY_FLAG" val="#wm#"/>
+  <p:tag name="KSO_WM_TEMPLATE_CATEGORY" val="custom"/>
+  <p:tag name="KSO_WM_TEMPLATE_INDEX" val="20205176"/>
 </p:tagLst>
 </file>
 
@@ -6476,6 +7690,46 @@
 </file>
 
 <file path=ppt/tags/tag74.xml><?xml version="1.0" encoding="utf-8"?>
+<p:tagLst xmlns:p="http://schemas.openxmlformats.org/presentationml/2006/main">
+  <p:tag name="KSO_WM_BEAUTIFY_FLAG" val="#wm#"/>
+  <p:tag name="KSO_WM_TEMPLATE_CATEGORY" val="custom"/>
+  <p:tag name="KSO_WM_TEMPLATE_INDEX" val="20205176"/>
+</p:tagLst>
+</file>
+
+<file path=ppt/tags/tag75.xml><?xml version="1.0" encoding="utf-8"?>
+<p:tagLst xmlns:p="http://schemas.openxmlformats.org/presentationml/2006/main">
+  <p:tag name="KSO_WM_BEAUTIFY_FLAG" val="#wm#"/>
+  <p:tag name="KSO_WM_TEMPLATE_CATEGORY" val="custom"/>
+  <p:tag name="KSO_WM_TEMPLATE_INDEX" val="20205176"/>
+</p:tagLst>
+</file>
+
+<file path=ppt/tags/tag76.xml><?xml version="1.0" encoding="utf-8"?>
+<p:tagLst xmlns:p="http://schemas.openxmlformats.org/presentationml/2006/main">
+  <p:tag name="KSO_WM_BEAUTIFY_FLAG" val="#wm#"/>
+  <p:tag name="KSO_WM_TEMPLATE_CATEGORY" val="custom"/>
+  <p:tag name="KSO_WM_TEMPLATE_INDEX" val="20205176"/>
+</p:tagLst>
+</file>
+
+<file path=ppt/tags/tag77.xml><?xml version="1.0" encoding="utf-8"?>
+<p:tagLst xmlns:p="http://schemas.openxmlformats.org/presentationml/2006/main">
+  <p:tag name="KSO_WM_BEAUTIFY_FLAG" val="#wm#"/>
+  <p:tag name="KSO_WM_TEMPLATE_CATEGORY" val="custom"/>
+  <p:tag name="KSO_WM_TEMPLATE_INDEX" val="20205176"/>
+</p:tagLst>
+</file>
+
+<file path=ppt/tags/tag78.xml><?xml version="1.0" encoding="utf-8"?>
+<p:tagLst xmlns:p="http://schemas.openxmlformats.org/presentationml/2006/main">
+  <p:tag name="KSO_WM_BEAUTIFY_FLAG" val="#wm#"/>
+  <p:tag name="KSO_WM_TEMPLATE_CATEGORY" val="custom"/>
+  <p:tag name="KSO_WM_TEMPLATE_INDEX" val="20205176"/>
+</p:tagLst>
+</file>
+
+<file path=ppt/tags/tag79.xml><?xml version="1.0" encoding="utf-8"?>
 <p:tagLst xmlns:p="http://schemas.openxmlformats.org/presentationml/2006/main">
   <p:tag name="KSO_WM_BEAUTIFY_FLAG" val="#wm#"/>
   <p:tag name="KSO_WM_TEMPLATE_CATEGORY" val="custom"/>

--- a/doc/基于Appium的 App UI自动化框架.pptx
+++ b/doc/基于Appium的 App UI自动化框架.pptx
@@ -7,19 +7,21 @@
   <p:sldIdLst>
     <p:sldId id="409" r:id="rId3"/>
     <p:sldId id="413" r:id="rId4"/>
-    <p:sldId id="414" r:id="rId5"/>
-    <p:sldId id="411" r:id="rId6"/>
-    <p:sldId id="410" r:id="rId7"/>
-    <p:sldId id="416" r:id="rId8"/>
-    <p:sldId id="412" r:id="rId9"/>
-    <p:sldId id="422" r:id="rId10"/>
-    <p:sldId id="417" r:id="rId11"/>
-    <p:sldId id="423" r:id="rId12"/>
-    <p:sldId id="424" r:id="rId13"/>
-    <p:sldId id="421" r:id="rId14"/>
-    <p:sldId id="428" r:id="rId15"/>
-    <p:sldId id="430" r:id="rId16"/>
-    <p:sldId id="425" r:id="rId17"/>
+    <p:sldId id="410" r:id="rId5"/>
+    <p:sldId id="416" r:id="rId6"/>
+    <p:sldId id="412" r:id="rId7"/>
+    <p:sldId id="433" r:id="rId8"/>
+    <p:sldId id="434" r:id="rId9"/>
+    <p:sldId id="435" r:id="rId10"/>
+    <p:sldId id="422" r:id="rId11"/>
+    <p:sldId id="417" r:id="rId12"/>
+    <p:sldId id="423" r:id="rId13"/>
+    <p:sldId id="432" r:id="rId14"/>
+    <p:sldId id="424" r:id="rId15"/>
+    <p:sldId id="421" r:id="rId16"/>
+    <p:sldId id="428" r:id="rId17"/>
+    <p:sldId id="430" r:id="rId18"/>
+    <p:sldId id="425" r:id="rId19"/>
   </p:sldIdLst>
   <p:sldSz cx="12192000" cy="6858000"/>
   <p:notesSz cx="6858000" cy="9144000"/>
@@ -124,6 +126,22 @@
 <file path=ppt/slideLayouts/slideLayout1.xml><?xml version="1.0" encoding="utf-8"?>
 <p:sldLayout xmlns:a="http://schemas.openxmlformats.org/drawingml/2006/main" xmlns:r="http://schemas.openxmlformats.org/officeDocument/2006/relationships" xmlns:p="http://schemas.openxmlformats.org/presentationml/2006/main" type="title" preserve="1">
   <p:cSld name="标题幻灯片">
+    <p:bg>
+      <p:bgPr>
+        <a:pattFill prst="pct5">
+          <a:fgClr>
+            <a:schemeClr val="accent1">
+              <a:lumMod val="20000"/>
+              <a:lumOff val="80000"/>
+            </a:schemeClr>
+          </a:fgClr>
+          <a:bgClr>
+            <a:schemeClr val="bg1"/>
+          </a:bgClr>
+        </a:pattFill>
+        <a:effectLst/>
+      </p:bgPr>
+    </p:bg>
     <p:spTree>
       <p:nvGrpSpPr>
         <p:cNvPr id="1" name=""/>
@@ -3752,17 +3770,17 @@
   <p:cSld>
     <p:bg>
       <p:bgPr>
-        <a:gradFill>
-          <a:gsLst>
-            <a:gs pos="0">
-              <a:srgbClr val="FFFFFF"/>
-            </a:gs>
-            <a:gs pos="100000">
-              <a:srgbClr val="D9D9D9"/>
-            </a:gs>
-          </a:gsLst>
-          <a:lin ang="5400000" scaled="0"/>
-        </a:gradFill>
+        <a:pattFill prst="pct5">
+          <a:fgClr>
+            <a:schemeClr val="accent1">
+              <a:lumMod val="20000"/>
+              <a:lumOff val="80000"/>
+            </a:schemeClr>
+          </a:fgClr>
+          <a:bgClr>
+            <a:schemeClr val="bg1"/>
+          </a:bgClr>
+        </a:pattFill>
         <a:effectLst/>
       </p:bgPr>
     </p:bg>
@@ -4518,6 +4536,80 @@
             <p:ph type="title"/>
           </p:nvPr>
         </p:nvSpPr>
+        <p:spPr>
+          <a:xfrm>
+            <a:off x="608400" y="608400"/>
+            <a:ext cx="10969200" cy="705600"/>
+          </a:xfrm>
+        </p:spPr>
+        <p:txBody>
+          <a:bodyPr/>
+          <a:p>
+            <a:r>
+              <a:rPr lang="zh-CN" altLang="en-US"/>
+              <a:t>项目架构</a:t>
+            </a:r>
+            <a:endParaRPr lang="zh-CN" altLang="en-US"/>
+          </a:p>
+        </p:txBody>
+      </p:sp>
+      <p:pic>
+        <p:nvPicPr>
+          <p:cNvPr id="5" name="内容占位符 4"/>
+          <p:cNvPicPr>
+            <a:picLocks noChangeAspect="1"/>
+          </p:cNvPicPr>
+          <p:nvPr>
+            <p:ph idx="1"/>
+          </p:nvPr>
+        </p:nvPicPr>
+        <p:blipFill>
+          <a:blip r:embed="rId1"/>
+          <a:stretch>
+            <a:fillRect/>
+          </a:stretch>
+        </p:blipFill>
+        <p:spPr>
+          <a:xfrm>
+            <a:off x="1738630" y="1249045"/>
+            <a:ext cx="8714740" cy="5302250"/>
+          </a:xfrm>
+          <a:prstGeom prst="rect">
+            <a:avLst/>
+          </a:prstGeom>
+        </p:spPr>
+      </p:pic>
+    </p:spTree>
+    <p:custDataLst>
+      <p:tags r:id="rId2"/>
+    </p:custDataLst>
+  </p:cSld>
+  <p:clrMapOvr>
+    <a:masterClrMapping/>
+  </p:clrMapOvr>
+</p:sld>
+</file>
+
+<file path=ppt/slides/slide11.xml><?xml version="1.0" encoding="utf-8"?>
+<p:sld xmlns:a="http://schemas.openxmlformats.org/drawingml/2006/main" xmlns:r="http://schemas.openxmlformats.org/officeDocument/2006/relationships" xmlns:p="http://schemas.openxmlformats.org/presentationml/2006/main">
+  <p:cSld>
+    <p:spTree>
+      <p:nvGrpSpPr>
+        <p:cNvPr id="1" name=""/>
+        <p:cNvGrpSpPr/>
+        <p:nvPr/>
+      </p:nvGrpSpPr>
+      <p:grpSpPr/>
+      <p:sp>
+        <p:nvSpPr>
+          <p:cNvPr id="2" name="标题 1"/>
+          <p:cNvSpPr>
+            <a:spLocks noGrp="1"/>
+          </p:cNvSpPr>
+          <p:nvPr>
+            <p:ph type="title"/>
+          </p:nvPr>
+        </p:nvSpPr>
         <p:spPr/>
         <p:txBody>
           <a:bodyPr/>
@@ -4804,7 +4896,7 @@
 </p:sld>
 </file>
 
-<file path=ppt/slides/slide11.xml><?xml version="1.0" encoding="utf-8"?>
+<file path=ppt/slides/slide12.xml><?xml version="1.0" encoding="utf-8"?>
 <p:sld xmlns:a="http://schemas.openxmlformats.org/drawingml/2006/main" xmlns:r="http://schemas.openxmlformats.org/officeDocument/2006/relationships" xmlns:p="http://schemas.openxmlformats.org/presentationml/2006/main">
   <p:cSld>
     <p:spTree>
@@ -4826,15 +4918,15 @@
         </p:nvSpPr>
         <p:spPr/>
         <p:txBody>
-          <a:bodyPr/>
-          <a:p>
-            <a:r>
-              <a:rPr lang="en-US" altLang="zh-CN"/>
-              <a:t>PageObjects</a:t>
-            </a:r>
-            <a:r>
-              <a:t>分层设计</a:t>
-            </a:r>
+          <a:bodyPr>
+            <a:normAutofit/>
+          </a:bodyPr>
+          <a:p>
+            <a:r>
+              <a:rPr lang="en-US" altLang="zh-CN"/>
+              <a:t>Driver.py</a:t>
+            </a:r>
+            <a:endParaRPr lang="en-US" altLang="zh-CN"/>
           </a:p>
         </p:txBody>
       </p:sp>
@@ -4848,93 +4940,150 @@
         </p:nvSpPr>
         <p:spPr>
           <a:xfrm>
-            <a:off x="4882515" y="1490345"/>
-            <a:ext cx="7212330" cy="4759325"/>
+            <a:off x="5218430" y="1240790"/>
+            <a:ext cx="6358890" cy="5123815"/>
           </a:xfrm>
         </p:spPr>
         <p:txBody>
-          <a:bodyPr/>
+          <a:bodyPr>
+            <a:normAutofit lnSpcReduction="20000"/>
+          </a:bodyPr>
           <a:p>
             <a:pPr marL="342900" indent="-342900">
               <a:buAutoNum type="arabicPeriod"/>
             </a:pPr>
             <a:r>
-              <a:rPr lang="zh-CN" altLang="en-US"/>
-              <a:t>所有导航、常用工具栏定义为无需实例化的接口</a:t>
-            </a:r>
-            <a:r>
-              <a:rPr lang="en-US" altLang="zh-CN"/>
-              <a:t>interface</a:t>
-            </a:r>
-            <a:endParaRPr lang="en-US" altLang="zh-CN"/>
+              <a:rPr lang="en-US" altLang="zh-CN">
+                <a:sym typeface="+mn-ea"/>
+              </a:rPr>
+              <a:t>Bean</a:t>
+            </a:r>
+            <a:r>
+              <a:rPr>
+                <a:sym typeface="+mn-ea"/>
+              </a:rPr>
+              <a:t>式结构，类属性</a:t>
+            </a:r>
+            <a:r>
+              <a:rPr lang="en-US" altLang="zh-CN">
+                <a:sym typeface="+mn-ea"/>
+              </a:rPr>
+              <a:t>_driver</a:t>
+            </a:r>
+            <a:r>
+              <a:rPr>
+                <a:sym typeface="+mn-ea"/>
+              </a:rPr>
+              <a:t>的</a:t>
+            </a:r>
+            <a:r>
+              <a:rPr lang="en-US" altLang="zh-CN">
+                <a:sym typeface="+mn-ea"/>
+              </a:rPr>
+              <a:t>getDriver</a:t>
+            </a:r>
+            <a:r>
+              <a:rPr>
+                <a:sym typeface="+mn-ea"/>
+              </a:rPr>
+              <a:t>与</a:t>
+            </a:r>
+            <a:r>
+              <a:rPr lang="en-US" altLang="zh-CN">
+                <a:sym typeface="+mn-ea"/>
+              </a:rPr>
+              <a:t>setDriver</a:t>
+            </a:r>
+            <a:r>
+              <a:rPr>
+                <a:sym typeface="+mn-ea"/>
+              </a:rPr>
+              <a:t>为 </a:t>
+            </a:r>
+            <a:r>
+              <a:rPr lang="en-US" altLang="zh-CN">
+                <a:sym typeface="+mn-ea"/>
+              </a:rPr>
+              <a:t>classmethod</a:t>
+            </a:r>
+            <a:r>
+              <a:rPr>
+                <a:sym typeface="+mn-ea"/>
+              </a:rPr>
+              <a:t>类方法</a:t>
+            </a:r>
           </a:p>
           <a:p>
             <a:pPr marL="342900" indent="-342900">
               <a:buAutoNum type="arabicPeriod"/>
             </a:pPr>
             <a:r>
-              <a:t>所有</a:t>
-            </a:r>
-            <a:r>
-              <a:rPr lang="en-US" altLang="zh-CN"/>
-              <a:t>page</a:t>
-            </a:r>
-            <a:r>
-              <a:t>封装页面的元素、元素串联操作为对应业务逻辑，</a:t>
-            </a:r>
-            <a:r>
-              <a:rPr>
-                <a:sym typeface="+mn-ea"/>
-              </a:rPr>
-              <a:t>如非必要，不暴露内部元素定位信息</a:t>
-            </a:r>
-            <a:endParaRPr>
-              <a:sym typeface="+mn-ea"/>
-            </a:endParaRPr>
+              <a:t>每次连接手机，由静态方法</a:t>
+            </a:r>
+            <a:r>
+              <a:rPr lang="en-US" altLang="zh-CN"/>
+              <a:t>driverInit</a:t>
+            </a:r>
+            <a:r>
+              <a:t>初始化生成，并赋值给</a:t>
+            </a:r>
+            <a:r>
+              <a:rPr lang="en-US" altLang="zh-CN"/>
+              <a:t>_driver</a:t>
+            </a:r>
+            <a:r>
+              <a:t>类属性，</a:t>
+            </a:r>
+            <a:r>
+              <a:rPr lang="en-US" altLang="zh-CN"/>
+              <a:t>driverInit</a:t>
+            </a:r>
+            <a:r>
+              <a:t>通过</a:t>
+            </a:r>
+            <a:r>
+              <a:rPr lang="en-US" altLang="zh-CN"/>
+              <a:t>shell</a:t>
+            </a:r>
+            <a:r>
+              <a:t>命令</a:t>
+            </a:r>
+            <a:r>
+              <a:t>判断终端机型为</a:t>
+            </a:r>
+            <a:r>
+              <a:rPr lang="en-US" altLang="zh-CN"/>
+              <a:t>iOS</a:t>
+            </a:r>
+            <a:r>
+              <a:t>还是</a:t>
+            </a:r>
+            <a:r>
+              <a:rPr lang="en-US" altLang="zh-CN"/>
+              <a:t>Android</a:t>
+            </a:r>
+            <a:r>
+              <a:t>，调用层无需关心</a:t>
+            </a:r>
           </a:p>
           <a:p>
             <a:pPr marL="342900" indent="-342900">
               <a:buAutoNum type="arabicPeriod"/>
             </a:pPr>
             <a:r>
-              <a:rPr lang="en-US" altLang="zh-CN">
-                <a:sym typeface="+mn-ea"/>
-              </a:rPr>
-              <a:t>Page</a:t>
-            </a:r>
-            <a:r>
-              <a:rPr>
-                <a:sym typeface="+mn-ea"/>
-              </a:rPr>
-              <a:t>基类定义了抽象函数</a:t>
-            </a:r>
-            <a:r>
-              <a:rPr lang="en-US" altLang="zh-CN">
-                <a:sym typeface="+mn-ea"/>
-              </a:rPr>
-              <a:t>makeAPage</a:t>
-            </a:r>
-            <a:r>
-              <a:rPr>
-                <a:sym typeface="+mn-ea"/>
-              </a:rPr>
-              <a:t>，后续子类</a:t>
-            </a:r>
-            <a:r>
-              <a:rPr lang="en-US" altLang="zh-CN">
-                <a:sym typeface="+mn-ea"/>
-              </a:rPr>
-              <a:t>page</a:t>
-            </a:r>
-            <a:r>
-              <a:rPr>
-                <a:sym typeface="+mn-ea"/>
-              </a:rPr>
-              <a:t>都要实现该方法</a:t>
-            </a:r>
-            <a:endParaRPr>
-              <a:sym typeface="+mn-ea"/>
-            </a:endParaRPr>
+              <a:rPr lang="en-US" altLang="zh-CN"/>
+              <a:t>driverInit</a:t>
+            </a:r>
+            <a:r>
+              <a:t>各配置项抽离到</a:t>
+            </a:r>
+            <a:r>
+              <a:rPr lang="en-US" altLang="zh-CN"/>
+              <a:t>config</a:t>
+            </a:r>
+            <a:r>
+              <a:t>（截图中暂未优化）</a:t>
+            </a:r>
           </a:p>
           <a:p>
             <a:pPr marL="342900" indent="-342900">
@@ -4942,27 +5091,10 @@
             </a:pPr>
             <a:r>
               <a:rPr lang="en-US" altLang="zh-CN"/>
-              <a:t>所</a:t>
-            </a:r>
-            <a:r>
-              <a:t>有</a:t>
-            </a:r>
-            <a:r>
-              <a:t>封装好的业务逻辑，</a:t>
-            </a:r>
-            <a:r>
-              <a:rPr lang="en-US" altLang="zh-CN"/>
-              <a:t>return page</a:t>
-            </a:r>
-            <a:r>
-              <a:t>自身，以达到</a:t>
-            </a:r>
-            <a:r>
-              <a:rPr lang="en-US" altLang="zh-CN"/>
-              <a:t>workflow</a:t>
-            </a:r>
-            <a:r>
-              <a:t>式调用</a:t>
+              <a:t>driver</a:t>
+            </a:r>
+            <a:r>
+              <a:t>封装了与手机的任意交互，点击、滑动、拖拽、获取屏幕大小等等，都是静态方法，保证调用方使用无需实例化</a:t>
             </a:r>
           </a:p>
           <a:p>
@@ -4970,23 +5102,57 @@
               <a:buAutoNum type="arabicPeriod"/>
             </a:pPr>
             <a:r>
-              <a:t>所有</a:t>
-            </a:r>
-            <a:r>
-              <a:rPr>
-                <a:sym typeface="+mn-ea"/>
-              </a:rPr>
-              <a:t>封装好的</a:t>
-            </a:r>
-            <a:r>
-              <a:t>业务逻辑用</a:t>
-            </a:r>
-            <a:r>
-              <a:rPr lang="en-US" altLang="zh-CN"/>
-              <a:t>allure.step</a:t>
-            </a:r>
-            <a:r>
-              <a:t>标注，用于后续报告</a:t>
+              <a:t>可能存在多线程下，类属性</a:t>
+            </a:r>
+            <a:r>
+              <a:rPr lang="en-US" altLang="zh-CN"/>
+              <a:t>_driver</a:t>
+            </a:r>
+            <a:r>
+              <a:t>被多个线程重复赋值的问题，采用</a:t>
+            </a:r>
+            <a:r>
+              <a:rPr lang="en-US" altLang="zh-CN"/>
+              <a:t>threadlocal </a:t>
+            </a:r>
+            <a:r>
+              <a:t>处理</a:t>
+            </a:r>
+          </a:p>
+          <a:p>
+            <a:pPr marL="342900" indent="-342900">
+              <a:buAutoNum type="arabicPeriod"/>
+            </a:pPr>
+            <a:r>
+              <a:t>上层需要与手机交互，调用</a:t>
+            </a:r>
+            <a:r>
+              <a:rPr lang="en-US" altLang="zh-CN"/>
+              <a:t>driver</a:t>
+            </a:r>
+            <a:r>
+              <a:t>类中的静态方法，这样即使</a:t>
+            </a:r>
+            <a:r>
+              <a:rPr lang="en-US" altLang="zh-CN"/>
+              <a:t>appium</a:t>
+            </a:r>
+            <a:r>
+              <a:t>升级改版，或者后续不采用</a:t>
+            </a:r>
+            <a:r>
+              <a:rPr lang="en-US" altLang="zh-CN"/>
+              <a:t>appium</a:t>
+            </a:r>
+            <a:r>
+              <a:t>了，只需要修改</a:t>
+            </a:r>
+            <a:r>
+              <a:rPr lang="en-US" altLang="zh-CN"/>
+              <a:t>driver</a:t>
+            </a:r>
+            <a:r>
+              <a:t>即可</a:t>
             </a:r>
           </a:p>
         </p:txBody>
@@ -5007,8 +5173,8 @@
         </p:blipFill>
         <p:spPr>
           <a:xfrm>
-            <a:off x="694055" y="1401445"/>
-            <a:ext cx="3962400" cy="4848225"/>
+            <a:off x="454660" y="1235710"/>
+            <a:ext cx="4763770" cy="5128895"/>
           </a:xfrm>
           <a:prstGeom prst="rect">
             <a:avLst/>
@@ -5026,7 +5192,7 @@
 </p:sld>
 </file>
 
-<file path=ppt/slides/slide12.xml><?xml version="1.0" encoding="utf-8"?>
+<file path=ppt/slides/slide13.xml><?xml version="1.0" encoding="utf-8"?>
 <p:sld xmlns:a="http://schemas.openxmlformats.org/drawingml/2006/main" xmlns:r="http://schemas.openxmlformats.org/officeDocument/2006/relationships" xmlns:p="http://schemas.openxmlformats.org/presentationml/2006/main">
   <p:cSld>
     <p:spTree>
@@ -5046,6 +5212,236 @@
             <p:ph type="title"/>
           </p:nvPr>
         </p:nvSpPr>
+        <p:spPr/>
+        <p:txBody>
+          <a:bodyPr/>
+          <a:p>
+            <a:r>
+              <a:rPr lang="en-US" altLang="zh-CN"/>
+              <a:t>PageObjects</a:t>
+            </a:r>
+            <a:r>
+              <a:t>分层设计</a:t>
+            </a:r>
+          </a:p>
+        </p:txBody>
+      </p:sp>
+      <p:sp>
+        <p:nvSpPr>
+          <p:cNvPr id="7" name="内容占位符 6"/>
+          <p:cNvSpPr/>
+          <p:nvPr>
+            <p:ph idx="1"/>
+          </p:nvPr>
+        </p:nvSpPr>
+        <p:spPr>
+          <a:xfrm>
+            <a:off x="4345940" y="1490345"/>
+            <a:ext cx="7748905" cy="4759325"/>
+          </a:xfrm>
+        </p:spPr>
+        <p:txBody>
+          <a:bodyPr/>
+          <a:p>
+            <a:pPr marL="342900" indent="-342900">
+              <a:buAutoNum type="arabicPeriod"/>
+            </a:pPr>
+            <a:r>
+              <a:rPr lang="zh-CN" altLang="en-US"/>
+              <a:t>所有导航、常用工具栏定义为无需实例化的接口</a:t>
+            </a:r>
+            <a:endParaRPr lang="zh-CN" altLang="en-US"/>
+          </a:p>
+          <a:p>
+            <a:pPr marL="342900" indent="-342900">
+              <a:buAutoNum type="arabicPeriod"/>
+            </a:pPr>
+            <a:r>
+              <a:t>所有</a:t>
+            </a:r>
+            <a:r>
+              <a:rPr lang="en-US" altLang="zh-CN"/>
+              <a:t>page</a:t>
+            </a:r>
+            <a:r>
+              <a:t>封装页面的元素、元素串联操作为对应业务逻辑，</a:t>
+            </a:r>
+            <a:r>
+              <a:rPr>
+                <a:sym typeface="+mn-ea"/>
+              </a:rPr>
+              <a:t>如非必要，不暴露内部元素定位信息</a:t>
+            </a:r>
+            <a:endParaRPr>
+              <a:sym typeface="+mn-ea"/>
+            </a:endParaRPr>
+          </a:p>
+          <a:p>
+            <a:pPr marL="342900" indent="-342900">
+              <a:buAutoNum type="arabicPeriod"/>
+            </a:pPr>
+            <a:r>
+              <a:rPr lang="en-US" altLang="zh-CN">
+                <a:sym typeface="+mn-ea"/>
+              </a:rPr>
+              <a:t>Page</a:t>
+            </a:r>
+            <a:r>
+              <a:rPr>
+                <a:sym typeface="+mn-ea"/>
+              </a:rPr>
+              <a:t>基类定义了抽象静态函数</a:t>
+            </a:r>
+            <a:r>
+              <a:rPr lang="en-US" altLang="zh-CN">
+                <a:sym typeface="+mn-ea"/>
+              </a:rPr>
+              <a:t>makeAPage</a:t>
+            </a:r>
+            <a:r>
+              <a:rPr>
+                <a:sym typeface="+mn-ea"/>
+              </a:rPr>
+              <a:t>、</a:t>
+            </a:r>
+            <a:r>
+              <a:rPr lang="en-US" altLang="zh-CN">
+                <a:sym typeface="+mn-ea"/>
+              </a:rPr>
+              <a:t>quitPage</a:t>
+            </a:r>
+            <a:r>
+              <a:rPr>
+                <a:sym typeface="+mn-ea"/>
+              </a:rPr>
+              <a:t>，后续子类</a:t>
+            </a:r>
+            <a:r>
+              <a:rPr lang="en-US" altLang="zh-CN">
+                <a:sym typeface="+mn-ea"/>
+              </a:rPr>
+              <a:t>page</a:t>
+            </a:r>
+            <a:r>
+              <a:rPr>
+                <a:sym typeface="+mn-ea"/>
+              </a:rPr>
+              <a:t>都要实现，也即每个页面都要有进入、退出的静态函数供外界使用</a:t>
+            </a:r>
+            <a:endParaRPr>
+              <a:sym typeface="+mn-ea"/>
+            </a:endParaRPr>
+          </a:p>
+          <a:p>
+            <a:pPr marL="342900" indent="-342900">
+              <a:buAutoNum type="arabicPeriod"/>
+            </a:pPr>
+            <a:r>
+              <a:rPr lang="en-US" altLang="zh-CN"/>
+              <a:t>所</a:t>
+            </a:r>
+            <a:r>
+              <a:t>有</a:t>
+            </a:r>
+            <a:r>
+              <a:t>封装好的业务逻辑，</a:t>
+            </a:r>
+            <a:r>
+              <a:rPr lang="en-US" altLang="zh-CN"/>
+              <a:t>return page</a:t>
+            </a:r>
+            <a:r>
+              <a:t>自身，以达到</a:t>
+            </a:r>
+            <a:r>
+              <a:rPr lang="en-US" altLang="zh-CN"/>
+              <a:t>workflow</a:t>
+            </a:r>
+            <a:r>
+              <a:t>式调用</a:t>
+            </a:r>
+          </a:p>
+          <a:p>
+            <a:pPr marL="342900" indent="-342900">
+              <a:buAutoNum type="arabicPeriod"/>
+            </a:pPr>
+            <a:r>
+              <a:t>所有</a:t>
+            </a:r>
+            <a:r>
+              <a:rPr>
+                <a:sym typeface="+mn-ea"/>
+              </a:rPr>
+              <a:t>封装好的</a:t>
+            </a:r>
+            <a:r>
+              <a:t>业务逻辑用</a:t>
+            </a:r>
+            <a:r>
+              <a:rPr lang="en-US" altLang="zh-CN"/>
+              <a:t>allure.step</a:t>
+            </a:r>
+            <a:r>
+              <a:t>标注，用于后续报告</a:t>
+            </a:r>
+          </a:p>
+        </p:txBody>
+      </p:sp>
+      <p:pic>
+        <p:nvPicPr>
+          <p:cNvPr id="6" name="图片 5"/>
+          <p:cNvPicPr>
+            <a:picLocks noChangeAspect="1"/>
+          </p:cNvPicPr>
+          <p:nvPr/>
+        </p:nvPicPr>
+        <p:blipFill>
+          <a:blip r:embed="rId1"/>
+          <a:stretch>
+            <a:fillRect/>
+          </a:stretch>
+        </p:blipFill>
+        <p:spPr>
+          <a:xfrm>
+            <a:off x="205740" y="1313815"/>
+            <a:ext cx="4099560" cy="4573905"/>
+          </a:xfrm>
+          <a:prstGeom prst="rect">
+            <a:avLst/>
+          </a:prstGeom>
+        </p:spPr>
+      </p:pic>
+    </p:spTree>
+    <p:custDataLst>
+      <p:tags r:id="rId2"/>
+    </p:custDataLst>
+  </p:cSld>
+  <p:clrMapOvr>
+    <a:masterClrMapping/>
+  </p:clrMapOvr>
+</p:sld>
+</file>
+
+<file path=ppt/slides/slide14.xml><?xml version="1.0" encoding="utf-8"?>
+<p:sld xmlns:a="http://schemas.openxmlformats.org/drawingml/2006/main" xmlns:r="http://schemas.openxmlformats.org/officeDocument/2006/relationships" xmlns:p="http://schemas.openxmlformats.org/presentationml/2006/main">
+  <p:cSld>
+    <p:spTree>
+      <p:nvGrpSpPr>
+        <p:cNvPr id="1" name=""/>
+        <p:cNvGrpSpPr/>
+        <p:nvPr/>
+      </p:nvGrpSpPr>
+      <p:grpSpPr/>
+      <p:sp>
+        <p:nvSpPr>
+          <p:cNvPr id="2" name="标题 1"/>
+          <p:cNvSpPr>
+            <a:spLocks noGrp="1"/>
+          </p:cNvSpPr>
+          <p:nvPr>
+            <p:ph type="title"/>
+          </p:nvPr>
+        </p:nvSpPr>
         <p:spPr>
           <a:xfrm>
             <a:off x="611575" y="608400"/>
@@ -5075,8 +5471,8 @@
         </p:nvSpPr>
         <p:spPr>
           <a:xfrm>
-            <a:off x="6118860" y="1490345"/>
-            <a:ext cx="5649595" cy="4759325"/>
+            <a:off x="6086475" y="2175510"/>
+            <a:ext cx="5649595" cy="4183380"/>
           </a:xfrm>
         </p:spPr>
         <p:txBody>
@@ -5261,9 +5657,33 @@
           </a:prstGeom>
         </p:spPr>
       </p:pic>
+      <p:pic>
+        <p:nvPicPr>
+          <p:cNvPr id="6" name="图片 5"/>
+          <p:cNvPicPr>
+            <a:picLocks noChangeAspect="1"/>
+          </p:cNvPicPr>
+          <p:nvPr/>
+        </p:nvPicPr>
+        <p:blipFill>
+          <a:blip r:embed="rId2"/>
+          <a:stretch>
+            <a:fillRect/>
+          </a:stretch>
+        </p:blipFill>
+        <p:spPr>
+          <a:xfrm>
+            <a:off x="4095750" y="17780"/>
+            <a:ext cx="8096250" cy="1885950"/>
+          </a:xfrm>
+          <a:prstGeom prst="rect">
+            <a:avLst/>
+          </a:prstGeom>
+        </p:spPr>
+      </p:pic>
     </p:spTree>
     <p:custDataLst>
-      <p:tags r:id="rId2"/>
+      <p:tags r:id="rId3"/>
     </p:custDataLst>
   </p:cSld>
   <p:clrMapOvr>
@@ -5273,7 +5693,7 @@
 </p:sld>
 </file>
 
-<file path=ppt/slides/slide13.xml><?xml version="1.0" encoding="utf-8"?>
+<file path=ppt/slides/slide15.xml><?xml version="1.0" encoding="utf-8"?>
 <p:sld xmlns:a="http://schemas.openxmlformats.org/drawingml/2006/main" xmlns:r="http://schemas.openxmlformats.org/officeDocument/2006/relationships" xmlns:p="http://schemas.openxmlformats.org/presentationml/2006/main">
   <p:cSld>
     <p:spTree>
@@ -5352,8 +5772,8 @@
         </p:blipFill>
         <p:spPr>
           <a:xfrm>
-            <a:off x="1224280" y="1434465"/>
-            <a:ext cx="9446260" cy="4679315"/>
+            <a:off x="0" y="409575"/>
+            <a:ext cx="12192000" cy="6039485"/>
           </a:xfrm>
           <a:prstGeom prst="rect">
             <a:avLst/>
@@ -5369,10 +5789,85 @@
     <a:masterClrMapping/>
   </p:clrMapOvr>
   <p:transition/>
+  <p:timing>
+    <p:tnLst>
+      <p:par>
+        <p:cTn id="1" dur="indefinite" restart="never" nodeType="tmRoot">
+          <p:childTnLst>
+            <p:seq concurrent="1" nextAc="seek">
+              <p:cTn id="2" dur="indefinite" nodeType="mainSeq">
+                <p:childTnLst>
+                  <p:par>
+                    <p:cTn id="3" fill="hold">
+                      <p:stCondLst>
+                        <p:cond delay="indefinite"/>
+                      </p:stCondLst>
+                      <p:childTnLst>
+                        <p:par>
+                          <p:cTn id="4" fill="hold">
+                            <p:stCondLst>
+                              <p:cond delay="0"/>
+                            </p:stCondLst>
+                            <p:childTnLst>
+                              <p:par>
+                                <p:cTn id="5" presetID="1" presetClass="entr" presetSubtype="0" fill="hold" nodeType="clickEffect">
+                                  <p:stCondLst>
+                                    <p:cond delay="0"/>
+                                  </p:stCondLst>
+                                  <p:childTnLst>
+                                    <p:set>
+                                      <p:cBhvr>
+                                        <p:cTn id="6" dur="1" fill="hold">
+                                          <p:stCondLst>
+                                            <p:cond delay="0"/>
+                                          </p:stCondLst>
+                                        </p:cTn>
+                                        <p:tgtEl>
+                                          <p:spTgt spid="9"/>
+                                        </p:tgtEl>
+                                        <p:attrNameLst>
+                                          <p:attrName>style.visibility</p:attrName>
+                                        </p:attrNameLst>
+                                      </p:cBhvr>
+                                      <p:to>
+                                        <p:strVal val="visible"/>
+                                      </p:to>
+                                    </p:set>
+                                  </p:childTnLst>
+                                </p:cTn>
+                              </p:par>
+                            </p:childTnLst>
+                          </p:cTn>
+                        </p:par>
+                      </p:childTnLst>
+                    </p:cTn>
+                  </p:par>
+                </p:childTnLst>
+              </p:cTn>
+              <p:prevCondLst>
+                <p:cond evt="onPrev" delay="0">
+                  <p:tgtEl>
+                    <p:sldTgt/>
+                  </p:tgtEl>
+                </p:cond>
+              </p:prevCondLst>
+              <p:nextCondLst>
+                <p:cond evt="onNext" delay="0">
+                  <p:tgtEl>
+                    <p:sldTgt/>
+                  </p:tgtEl>
+                </p:cond>
+              </p:nextCondLst>
+            </p:seq>
+          </p:childTnLst>
+        </p:cTn>
+      </p:par>
+    </p:tnLst>
+  </p:timing>
 </p:sld>
 </file>
 
-<file path=ppt/slides/slide14.xml><?xml version="1.0" encoding="utf-8"?>
+<file path=ppt/slides/slide16.xml><?xml version="1.0" encoding="utf-8"?>
 <p:sld xmlns:a="http://schemas.openxmlformats.org/drawingml/2006/main" xmlns:r="http://schemas.openxmlformats.org/officeDocument/2006/relationships" xmlns:p="http://schemas.openxmlformats.org/presentationml/2006/main">
   <p:cSld>
     <p:spTree>
@@ -5451,8 +5946,8 @@
         </p:blipFill>
         <p:spPr>
           <a:xfrm>
-            <a:off x="1273175" y="1434465"/>
-            <a:ext cx="9372600" cy="4657090"/>
+            <a:off x="0" y="481330"/>
+            <a:ext cx="12186285" cy="6055360"/>
           </a:xfrm>
           <a:prstGeom prst="rect">
             <a:avLst/>
@@ -5468,10 +5963,85 @@
     <a:masterClrMapping/>
   </p:clrMapOvr>
   <p:transition/>
+  <p:timing>
+    <p:tnLst>
+      <p:par>
+        <p:cTn id="1" dur="indefinite" restart="never" nodeType="tmRoot">
+          <p:childTnLst>
+            <p:seq concurrent="1" nextAc="seek">
+              <p:cTn id="2" dur="indefinite" nodeType="mainSeq">
+                <p:childTnLst>
+                  <p:par>
+                    <p:cTn id="3" fill="hold">
+                      <p:stCondLst>
+                        <p:cond delay="indefinite"/>
+                      </p:stCondLst>
+                      <p:childTnLst>
+                        <p:par>
+                          <p:cTn id="4" fill="hold">
+                            <p:stCondLst>
+                              <p:cond delay="0"/>
+                            </p:stCondLst>
+                            <p:childTnLst>
+                              <p:par>
+                                <p:cTn id="5" presetID="1" presetClass="entr" presetSubtype="0" fill="hold" nodeType="clickEffect">
+                                  <p:stCondLst>
+                                    <p:cond delay="0"/>
+                                  </p:stCondLst>
+                                  <p:childTnLst>
+                                    <p:set>
+                                      <p:cBhvr>
+                                        <p:cTn id="6" dur="1" fill="hold">
+                                          <p:stCondLst>
+                                            <p:cond delay="0"/>
+                                          </p:stCondLst>
+                                        </p:cTn>
+                                        <p:tgtEl>
+                                          <p:spTgt spid="10"/>
+                                        </p:tgtEl>
+                                        <p:attrNameLst>
+                                          <p:attrName>style.visibility</p:attrName>
+                                        </p:attrNameLst>
+                                      </p:cBhvr>
+                                      <p:to>
+                                        <p:strVal val="visible"/>
+                                      </p:to>
+                                    </p:set>
+                                  </p:childTnLst>
+                                </p:cTn>
+                              </p:par>
+                            </p:childTnLst>
+                          </p:cTn>
+                        </p:par>
+                      </p:childTnLst>
+                    </p:cTn>
+                  </p:par>
+                </p:childTnLst>
+              </p:cTn>
+              <p:prevCondLst>
+                <p:cond evt="onPrev" delay="0">
+                  <p:tgtEl>
+                    <p:sldTgt/>
+                  </p:tgtEl>
+                </p:cond>
+              </p:prevCondLst>
+              <p:nextCondLst>
+                <p:cond evt="onNext" delay="0">
+                  <p:tgtEl>
+                    <p:sldTgt/>
+                  </p:tgtEl>
+                </p:cond>
+              </p:nextCondLst>
+            </p:seq>
+          </p:childTnLst>
+        </p:cTn>
+      </p:par>
+    </p:tnLst>
+  </p:timing>
 </p:sld>
 </file>
 
-<file path=ppt/slides/slide15.xml><?xml version="1.0" encoding="utf-8"?>
+<file path=ppt/slides/slide17.xml><?xml version="1.0" encoding="utf-8"?>
 <p:sld xmlns:a="http://schemas.openxmlformats.org/drawingml/2006/main" xmlns:r="http://schemas.openxmlformats.org/officeDocument/2006/relationships" xmlns:p="http://schemas.openxmlformats.org/presentationml/2006/main">
   <p:cSld>
     <p:spTree>
@@ -5571,6 +6141,79 @@
               <a:buAutoNum type="arabicPeriod"/>
             </a:pPr>
             <a:r>
+              <a:t>大概仍有</a:t>
+            </a:r>
+            <a:r>
+              <a:rPr lang="en-US" altLang="zh-CN"/>
+              <a:t>30+</a:t>
+            </a:r>
+            <a:r>
+              <a:t>个</a:t>
+            </a:r>
+            <a:r>
+              <a:rPr lang="en-US" altLang="zh-CN"/>
+              <a:t>page</a:t>
+            </a:r>
+            <a:r>
+              <a:t>未开始封装（</a:t>
+            </a:r>
+            <a:r>
+              <a:rPr lang="en-US" altLang="zh-CN"/>
+              <a:t>page</a:t>
+            </a:r>
+            <a:r>
+              <a:t>里的页面元素，页面元素组合串成相应的业务逻辑</a:t>
+            </a:r>
+            <a:r>
+              <a:t>）</a:t>
+            </a:r>
+          </a:p>
+          <a:p>
+            <a:pPr marL="342900" indent="-342900">
+              <a:buAutoNum type="arabicPeriod"/>
+            </a:pPr>
+            <a:r>
+              <a:t>一些定位技术上的难点攻克，比如我们盘中页面刷新过快了，</a:t>
+            </a:r>
+            <a:r>
+              <a:rPr lang="en-US" altLang="zh-CN"/>
+              <a:t>appium</a:t>
+            </a:r>
+            <a:r>
+              <a:t>要</a:t>
+            </a:r>
+            <a:r>
+              <a:rPr lang="en-US" altLang="zh-CN"/>
+              <a:t>waitForIdle</a:t>
+            </a:r>
+            <a:r>
+              <a:t>才能操作。影响脚本速度</a:t>
+            </a:r>
+          </a:p>
+          <a:p>
+            <a:pPr marL="342900" indent="-342900">
+              <a:buAutoNum type="arabicPeriod"/>
+            </a:pPr>
+            <a:r>
+              <a:rPr lang="en-US" altLang="zh-CN"/>
+              <a:t>Driver</a:t>
+            </a:r>
+            <a:r>
+              <a:t>与</a:t>
+            </a:r>
+            <a:r>
+              <a:rPr lang="en-US" altLang="zh-CN"/>
+              <a:t>appium</a:t>
+            </a:r>
+            <a:r>
+              <a:t>底层交互的一些优化（都不会影响业务测试用例）</a:t>
+            </a:r>
+          </a:p>
+          <a:p>
+            <a:pPr marL="342900" indent="-342900">
+              <a:buAutoNum type="arabicPeriod"/>
+            </a:pPr>
+            <a:r>
               <a:rPr>
                 <a:sym typeface="+mn-ea"/>
               </a:rPr>
@@ -5584,74 +6227,6 @@
             <a:pPr marL="342900" indent="-342900">
               <a:buAutoNum type="arabicPeriod"/>
             </a:pPr>
-            <a:r>
-              <a:t>大概仍有</a:t>
-            </a:r>
-            <a:r>
-              <a:rPr lang="en-US" altLang="zh-CN"/>
-              <a:t>30+</a:t>
-            </a:r>
-            <a:r>
-              <a:t>个</a:t>
-            </a:r>
-            <a:r>
-              <a:rPr lang="en-US" altLang="zh-CN"/>
-              <a:t>page</a:t>
-            </a:r>
-            <a:r>
-              <a:t>未开始封装（</a:t>
-            </a:r>
-            <a:r>
-              <a:rPr lang="en-US" altLang="zh-CN"/>
-              <a:t>page</a:t>
-            </a:r>
-            <a:r>
-              <a:t>里的页面元素，页面元素组合串成相应的业务逻辑</a:t>
-            </a:r>
-            <a:r>
-              <a:t>）</a:t>
-            </a:r>
-          </a:p>
-          <a:p>
-            <a:pPr marL="342900" indent="-342900">
-              <a:buAutoNum type="arabicPeriod"/>
-            </a:pPr>
-            <a:r>
-              <a:t>一些定位技术上的难点攻克，比如我们盘中页面刷新过快了，</a:t>
-            </a:r>
-            <a:r>
-              <a:rPr lang="en-US" altLang="zh-CN"/>
-              <a:t>appium</a:t>
-            </a:r>
-            <a:r>
-              <a:t>要</a:t>
-            </a:r>
-            <a:r>
-              <a:rPr lang="en-US" altLang="zh-CN"/>
-              <a:t>waitForIdle</a:t>
-            </a:r>
-            <a:r>
-              <a:t>才能操作。影响脚本速度</a:t>
-            </a:r>
-          </a:p>
-          <a:p>
-            <a:pPr marL="342900" indent="-342900">
-              <a:buAutoNum type="arabicPeriod"/>
-            </a:pPr>
-            <a:r>
-              <a:rPr lang="en-US" altLang="zh-CN"/>
-              <a:t>Driver</a:t>
-            </a:r>
-            <a:r>
-              <a:t>与</a:t>
-            </a:r>
-            <a:r>
-              <a:rPr lang="en-US" altLang="zh-CN"/>
-              <a:t>appium</a:t>
-            </a:r>
-            <a:r>
-              <a:t>底层交互的一些优化（都不会影响业务测试用例）</a:t>
-            </a:r>
           </a:p>
         </p:txBody>
       </p:sp>
@@ -5747,7 +6322,21 @@
               <a:buAutoNum type="arabicPeriod"/>
             </a:pPr>
             <a:r>
-              <a:t>可以自动化测试  多种不同终端的重复测试工作</a:t>
+              <a:t>可以自动化测试  多种不同终端（</a:t>
+            </a:r>
+            <a:r>
+              <a:rPr lang="en-US" altLang="zh-CN"/>
+              <a:t>iOS</a:t>
+            </a:r>
+            <a:r>
+              <a:t>、</a:t>
+            </a:r>
+            <a:r>
+              <a:rPr lang="en-US" altLang="zh-CN"/>
+              <a:t>Android</a:t>
+            </a:r>
+            <a:r>
+              <a:t>、同系统不同机型等等）的重复测试工作</a:t>
             </a:r>
           </a:p>
           <a:p>
@@ -5778,6 +6367,9 @@
             <a:pPr marL="342900" indent="-342900">
               <a:buAutoNum type="arabicPeriod"/>
             </a:pPr>
+            <a:r>
+              <a:t>以及更多</a:t>
+            </a:r>
             <a:r>
               <a:rPr lang="en-US" altLang="zh-CN"/>
               <a:t>...</a:t>
@@ -5823,10 +6415,12 @@
           <a:bodyPr/>
           <a:p>
             <a:r>
-              <a:rPr lang="zh-CN" altLang="en-US"/>
-              <a:t>所以我们需要个怎么样的自动化</a:t>
-            </a:r>
-            <a:endParaRPr lang="zh-CN" altLang="en-US"/>
+              <a:rPr lang="en-US" altLang="zh-CN"/>
+              <a:t>pytest介</a:t>
+            </a:r>
+            <a:r>
+              <a:t>绍</a:t>
+            </a:r>
           </a:p>
         </p:txBody>
       </p:sp>
@@ -5842,211 +6436,207 @@
         </p:nvSpPr>
         <p:spPr/>
         <p:txBody>
-          <a:bodyPr/>
+          <a:bodyPr>
+            <a:normAutofit lnSpcReduction="10000"/>
+          </a:bodyPr>
           <a:p>
             <a:pPr marL="342900" indent="-342900">
               <a:buAutoNum type="arabicPeriod"/>
             </a:pPr>
             <a:r>
-              <a:rPr lang="zh-CN" altLang="en-US"/>
-              <a:t>区别出不同类别用例，冒烟、基础功能、旧迭代功能、新迭代需求</a:t>
-            </a:r>
-            <a:endParaRPr lang="zh-CN" altLang="en-US"/>
-          </a:p>
-          <a:p>
-            <a:pPr marL="342900" indent="-342900">
+              <a:rPr lang="en-US" altLang="zh-CN"/>
+              <a:t>pytest</a:t>
+            </a:r>
+            <a:r>
+              <a:t>一大特色：</a:t>
+            </a:r>
+            <a:r>
+              <a:rPr lang="en-US" altLang="zh-CN"/>
+              <a:t>fixture</a:t>
+            </a:r>
+            <a:r>
+              <a:t>，用例前缀管理。可以对测试用例添加自定义的</a:t>
+            </a:r>
+            <a:r>
+              <a:rPr lang="en-US" altLang="zh-CN"/>
+              <a:t>fixture</a:t>
+            </a:r>
+            <a:r>
+              <a:t>，比如：</a:t>
+            </a:r>
+          </a:p>
+          <a:p>
+            <a:pPr marL="800100" lvl="1" indent="-342900">
               <a:buAutoNum type="arabicPeriod"/>
             </a:pPr>
             <a:r>
-              <a:rPr lang="zh-CN" altLang="en-US"/>
-              <a:t>清晰的测试报告，甚至有错误截图，帮助开发、测试直接明了观察出异常点</a:t>
-            </a:r>
-            <a:endParaRPr lang="zh-CN" altLang="en-US"/>
-          </a:p>
-          <a:p>
-            <a:pPr marL="342900" indent="-342900">
+              <a:rPr lang="en-US" altLang="zh-CN"/>
+              <a:t>“smoke”	</a:t>
+            </a:r>
+            <a:r>
+              <a:t>该测试用例用于冒烟测试（给与开发人员验证，新功能对</a:t>
+            </a:r>
+            <a:r>
+              <a:rPr lang="en-US" altLang="zh-CN"/>
+              <a:t>app</a:t>
+            </a:r>
+            <a:r>
+              <a:t>没有严重阻塞</a:t>
+            </a:r>
+            <a:r>
+              <a:t>）</a:t>
+            </a:r>
+          </a:p>
+          <a:p>
+            <a:pPr marL="800100" lvl="1" indent="-342900">
               <a:buAutoNum type="arabicPeriod"/>
             </a:pPr>
             <a:r>
-              <a:rPr lang="zh-CN" altLang="en-US"/>
-              <a:t>集成</a:t>
-            </a:r>
-            <a:r>
-              <a:rPr lang="en-US" altLang="zh-CN"/>
-              <a:t>jenkins</a:t>
-            </a:r>
-            <a:r>
-              <a:t>，对接服务器，实现一键冒烟，一键全量测试，定时批跑保持稳定性</a:t>
-            </a:r>
-          </a:p>
-          <a:p>
-            <a:pPr marL="342900" indent="-342900">
+              <a:rPr lang="en-US" altLang="zh-CN"/>
+              <a:t>“core”		</a:t>
+            </a:r>
+            <a:r>
+              <a:t>该测试用例涉及核心功能（给与测试人员版本回归、基础验证）</a:t>
+            </a:r>
+            <a:endParaRPr lang="en-US" altLang="zh-CN"/>
+          </a:p>
+          <a:p>
+            <a:pPr marL="800100" lvl="1" indent="-342900">
               <a:buAutoNum type="arabicPeriod"/>
             </a:pPr>
             <a:r>
-              <a:t>用例编写简单，代码能力要求不高</a:t>
-            </a:r>
-          </a:p>
-          <a:p>
-            <a:pPr marL="342900" indent="-342900">
-              <a:buAutoNum type="arabicPeriod"/>
+              <a:rPr lang="en-US" altLang="zh-CN"/>
+              <a:t>“specific” </a:t>
+            </a:r>
+            <a:r>
+              <a:t>该测试用例对具体功能全面测试，可能涉及数据驱动，各类非法输入，性能压测等等</a:t>
+            </a:r>
+          </a:p>
+          <a:p>
+            <a:pPr marL="0" lvl="0" indent="0">
+              <a:buNone/>
             </a:pPr>
             <a:r>
-              <a:t>用例维护成本低，屏蔽各类变化对业务用例的影响</a:t>
-            </a:r>
-          </a:p>
-          <a:p>
-            <a:pPr marL="342900" indent="-342900">
-              <a:buAutoNum type="arabicPeriod"/>
+              <a:t>有了这些前缀修饰用例后，需要单独跑某几种前缀的用例时，只要</a:t>
+            </a:r>
+            <a:r>
+              <a:rPr lang="en-US" altLang="zh-CN"/>
+              <a:t>pytest -mark xxxx</a:t>
+            </a:r>
+            <a:r>
+              <a:t>就能做到。非常高效、方便。。这是</a:t>
+            </a:r>
+            <a:r>
+              <a:rPr lang="en-US" altLang="zh-CN"/>
+              <a:t>unittest</a:t>
+            </a:r>
+            <a:r>
+              <a:t>不具备的</a:t>
+            </a:r>
+          </a:p>
+          <a:p>
+            <a:pPr marL="0" lvl="0" indent="0">
+              <a:buNone/>
             </a:pPr>
             <a:r>
-              <a:t>安卓、</a:t>
-            </a:r>
-            <a:r>
-              <a:rPr lang="en-US" altLang="zh-CN"/>
-              <a:t>iOS</a:t>
-            </a:r>
-            <a:r>
-              <a:t>可以封装差异，业务用例依旧可以通用</a:t>
-            </a:r>
-          </a:p>
-        </p:txBody>
-      </p:sp>
-    </p:spTree>
-    <p:custDataLst>
-      <p:tags r:id="rId1"/>
-    </p:custDataLst>
-  </p:cSld>
-  <p:clrMapOvr>
-    <a:masterClrMapping/>
-  </p:clrMapOvr>
-</p:sld>
-</file>
-
-<file path=ppt/slides/slide4.xml><?xml version="1.0" encoding="utf-8"?>
-<p:sld xmlns:a="http://schemas.openxmlformats.org/drawingml/2006/main" xmlns:r="http://schemas.openxmlformats.org/officeDocument/2006/relationships" xmlns:p="http://schemas.openxmlformats.org/presentationml/2006/main" show="0">
-  <p:cSld>
-    <p:spTree>
-      <p:nvGrpSpPr>
-        <p:cNvPr id="1" name=""/>
-        <p:cNvGrpSpPr/>
-        <p:nvPr/>
-      </p:nvGrpSpPr>
-      <p:grpSpPr/>
-      <p:sp>
-        <p:nvSpPr>
-          <p:cNvPr id="2" name="标题 1"/>
-          <p:cNvSpPr>
-            <a:spLocks noGrp="1"/>
-          </p:cNvSpPr>
-          <p:nvPr>
-            <p:ph type="title"/>
-          </p:nvPr>
-        </p:nvSpPr>
-        <p:spPr/>
-        <p:txBody>
-          <a:bodyPr>
-            <a:normAutofit/>
-          </a:bodyPr>
-          <a:p>
-            <a:r>
-              <a:rPr lang="en-US" altLang="zh-CN"/>
-              <a:t>UI</a:t>
-            </a:r>
-            <a:r>
-              <a:t>自动化遇到的困境</a:t>
-            </a:r>
-          </a:p>
-        </p:txBody>
-      </p:sp>
-      <p:sp>
-        <p:nvSpPr>
-          <p:cNvPr id="3" name="内容占位符 2"/>
-          <p:cNvSpPr>
-            <a:spLocks noGrp="1"/>
-          </p:cNvSpPr>
-          <p:nvPr>
-            <p:ph idx="1"/>
-          </p:nvPr>
-        </p:nvSpPr>
-        <p:spPr/>
-        <p:txBody>
-          <a:bodyPr/>
-          <a:p>
-            <a:r>
-              <a:rPr lang="zh-CN" altLang="en-US"/>
-              <a:t>测试用例管理。想要根据不同情况，批跑不同类型的用例</a:t>
-            </a:r>
-            <a:endParaRPr lang="zh-CN" altLang="en-US"/>
-          </a:p>
-          <a:p>
-            <a:r>
-              <a:rPr lang="zh-CN" altLang="en-US"/>
-              <a:t>测试用例可集成。旧功能测试用例可以继续维护，对后续版本迭代起到测试作用</a:t>
-            </a:r>
-            <a:endParaRPr lang="zh-CN" altLang="en-US"/>
-          </a:p>
-          <a:p>
-            <a:r>
-              <a:rPr lang="zh-CN" altLang="en-US"/>
-              <a:t>测试问题定位。自动化失败后，测试、开发人员如何读懂自动化呈现的问题</a:t>
-            </a:r>
-            <a:endParaRPr lang="zh-CN" altLang="en-US"/>
-          </a:p>
-          <a:p>
-            <a:r>
-              <a:rPr lang="en-US" altLang="zh-CN"/>
-              <a:t>appium</a:t>
-            </a:r>
-            <a:r>
-              <a:t>、</a:t>
-            </a:r>
-            <a:r>
-              <a:rPr lang="en-US" altLang="zh-CN"/>
-              <a:t>macaca</a:t>
-            </a:r>
-            <a:r>
-              <a:t>等等</a:t>
-            </a:r>
-            <a:r>
-              <a:rPr lang="en-US" altLang="zh-CN"/>
-              <a:t>adb</a:t>
-            </a:r>
-            <a:r>
-              <a:t>交互</a:t>
-            </a:r>
-            <a:r>
-              <a:t>软件，更改、升级导致的维护成本</a:t>
-            </a:r>
-          </a:p>
-          <a:p>
-            <a:r>
-              <a:t>自动化用例编写、维护</a:t>
-            </a:r>
-          </a:p>
-          <a:p>
-            <a:pPr algn="l"/>
-            <a:r>
-              <a:t>测试数据管理</a:t>
-            </a:r>
-          </a:p>
-          <a:p>
-            <a:pPr algn="l"/>
-            <a:r>
-              <a:t>平台搭建完毕后的后续可扩展</a:t>
-            </a:r>
-          </a:p>
-          <a:p>
-            <a:pPr algn="l"/>
-            <a:r>
-              <a:t>易星软件在盘中刷新过快，</a:t>
-            </a:r>
-            <a:r>
-              <a:rPr lang="en-US" altLang="zh-CN"/>
-              <a:t>appium</a:t>
-            </a:r>
-            <a:r>
-              <a:t>底层的查找定位效率不高</a:t>
+              <a:rPr lang="en-US" altLang="zh-CN"/>
+              <a:t>2. pytest</a:t>
+            </a:r>
+            <a:r>
+              <a:t>提供超多的钩子函数，</a:t>
+            </a:r>
+            <a:r>
+              <a:rPr>
+                <a:sym typeface="+mn-ea"/>
+              </a:rPr>
+              <a:t>可扩展性非常良好。</a:t>
+            </a:r>
+            <a:endParaRPr>
+              <a:sym typeface="+mn-ea"/>
+            </a:endParaRPr>
+          </a:p>
+          <a:p>
+            <a:pPr marL="0" lvl="0" indent="0">
+              <a:buNone/>
+            </a:pPr>
+            <a:r>
+              <a:rPr lang="en-US" altLang="zh-CN">
+                <a:sym typeface="+mn-ea"/>
+              </a:rPr>
+              <a:t>3. </a:t>
+            </a:r>
+            <a:r>
+              <a:rPr>
+                <a:sym typeface="+mn-ea"/>
+              </a:rPr>
+              <a:t>也是因为</a:t>
+            </a:r>
+            <a:r>
+              <a:rPr lang="en-US" altLang="zh-CN">
+                <a:sym typeface="+mn-ea"/>
+              </a:rPr>
+              <a:t>2</a:t>
+            </a:r>
+            <a:r>
+              <a:rPr>
+                <a:sym typeface="+mn-ea"/>
+              </a:rPr>
+              <a:t>，有非常多的</a:t>
+            </a:r>
+            <a:r>
+              <a:t>第三方库。比如多进程并发，就有成熟的</a:t>
+            </a:r>
+            <a:r>
+              <a:rPr lang="en-US" altLang="zh-CN"/>
+              <a:t>pytest-xdist</a:t>
+            </a:r>
+            <a:r>
+              <a:t>库，测试代码覆盖率，有</a:t>
+            </a:r>
+            <a:r>
+              <a:rPr lang="en-US" altLang="zh-CN"/>
+              <a:t>pytest-cov</a:t>
+            </a:r>
+            <a:r>
+              <a:t>等等等等。越来越受人欢迎</a:t>
+            </a:r>
+          </a:p>
+          <a:p>
+            <a:pPr marL="0" lvl="0" indent="0">
+              <a:buNone/>
+            </a:pPr>
+            <a:r>
+              <a:rPr lang="en-US" altLang="zh-CN"/>
+              <a:t>3. </a:t>
+            </a:r>
+            <a:r>
+              <a:t>集成了</a:t>
+            </a:r>
+            <a:r>
+              <a:rPr lang="en-US" altLang="zh-CN"/>
+              <a:t>allure</a:t>
+            </a:r>
+            <a:r>
+              <a:t>报告、</a:t>
+            </a:r>
+            <a:r>
+              <a:rPr lang="en-US" altLang="zh-CN"/>
+              <a:t>jenkins</a:t>
+            </a:r>
+            <a:r>
+              <a:t>集成等等实用功能</a:t>
+            </a:r>
+          </a:p>
+          <a:p>
+            <a:pPr marL="0" lvl="0" indent="0">
+              <a:buNone/>
+            </a:pPr>
+            <a:r>
+              <a:rPr lang="en-US" altLang="zh-CN"/>
+              <a:t>4. </a:t>
+            </a:r>
+            <a:r>
+              <a:t>上手轻松，简单易学</a:t>
             </a:r>
           </a:p>
         </p:txBody>
@@ -6063,7 +6653,7 @@
 </p:sld>
 </file>
 
-<file path=ppt/slides/slide5.xml><?xml version="1.0" encoding="utf-8"?>
+<file path=ppt/slides/slide4.xml><?xml version="1.0" encoding="utf-8"?>
 <p:sld xmlns:a="http://schemas.openxmlformats.org/drawingml/2006/main" xmlns:r="http://schemas.openxmlformats.org/officeDocument/2006/relationships" xmlns:p="http://schemas.openxmlformats.org/presentationml/2006/main">
   <p:cSld>
     <p:spTree>
@@ -6088,269 +6678,6 @@
           <a:bodyPr/>
           <a:p>
             <a:r>
-              <a:rPr lang="en-US" altLang="zh-CN"/>
-              <a:t>pytest介</a:t>
-            </a:r>
-            <a:r>
-              <a:t>绍</a:t>
-            </a:r>
-          </a:p>
-        </p:txBody>
-      </p:sp>
-      <p:sp>
-        <p:nvSpPr>
-          <p:cNvPr id="3" name="内容占位符 2"/>
-          <p:cNvSpPr>
-            <a:spLocks noGrp="1"/>
-          </p:cNvSpPr>
-          <p:nvPr>
-            <p:ph idx="1"/>
-          </p:nvPr>
-        </p:nvSpPr>
-        <p:spPr/>
-        <p:txBody>
-          <a:bodyPr>
-            <a:normAutofit lnSpcReduction="10000"/>
-          </a:bodyPr>
-          <a:p>
-            <a:pPr marL="342900" indent="-342900">
-              <a:buAutoNum type="arabicPeriod"/>
-            </a:pPr>
-            <a:r>
-              <a:rPr lang="en-US" altLang="zh-CN"/>
-              <a:t>pytest</a:t>
-            </a:r>
-            <a:r>
-              <a:t>一大特色：</a:t>
-            </a:r>
-            <a:r>
-              <a:rPr lang="en-US" altLang="zh-CN"/>
-              <a:t>fixture</a:t>
-            </a:r>
-            <a:r>
-              <a:t>，用例前缀管理。可以对测试用例添加自定义的</a:t>
-            </a:r>
-            <a:r>
-              <a:rPr lang="en-US" altLang="zh-CN"/>
-              <a:t>fixture</a:t>
-            </a:r>
-            <a:r>
-              <a:t>，比如：</a:t>
-            </a:r>
-          </a:p>
-          <a:p>
-            <a:pPr marL="800100" lvl="1" indent="-342900">
-              <a:buAutoNum type="arabicPeriod"/>
-            </a:pPr>
-            <a:r>
-              <a:rPr lang="en-US" altLang="zh-CN"/>
-              <a:t>“smoke”	</a:t>
-            </a:r>
-            <a:r>
-              <a:t>该测试用例用于冒烟测试（给与开发人员验证，新功能对</a:t>
-            </a:r>
-            <a:r>
-              <a:rPr lang="en-US" altLang="zh-CN"/>
-              <a:t>app</a:t>
-            </a:r>
-            <a:r>
-              <a:t>没有严重阻塞</a:t>
-            </a:r>
-            <a:r>
-              <a:t>）</a:t>
-            </a:r>
-          </a:p>
-          <a:p>
-            <a:pPr marL="800100" lvl="1" indent="-342900">
-              <a:buAutoNum type="arabicPeriod"/>
-            </a:pPr>
-            <a:r>
-              <a:rPr lang="en-US" altLang="zh-CN"/>
-              <a:t>“core”		</a:t>
-            </a:r>
-            <a:r>
-              <a:t>该测试用例涉及核心功能（给与测试人员版本回归、基础验证）</a:t>
-            </a:r>
-            <a:endParaRPr lang="en-US" altLang="zh-CN"/>
-          </a:p>
-          <a:p>
-            <a:pPr marL="800100" lvl="1" indent="-342900">
-              <a:buAutoNum type="arabicPeriod"/>
-            </a:pPr>
-            <a:r>
-              <a:rPr lang="en-US" altLang="zh-CN"/>
-              <a:t>“specific_login”  </a:t>
-            </a:r>
-            <a:r>
-              <a:t>该测试用例对具体功能全面测试，可能涉及数据驱动，各类非法输入，性能压测等等</a:t>
-            </a:r>
-          </a:p>
-          <a:p>
-            <a:pPr marL="0" lvl="0" indent="0">
-              <a:buNone/>
-            </a:pPr>
-            <a:r>
-              <a:t>有了这些前缀修饰用例后，需要单独跑某几种前缀的用例时，只要</a:t>
-            </a:r>
-            <a:r>
-              <a:rPr lang="en-US" altLang="zh-CN"/>
-              <a:t>pytest -mark xxxx</a:t>
-            </a:r>
-            <a:r>
-              <a:t>就能做到。非常高效、方便。。这是</a:t>
-            </a:r>
-            <a:r>
-              <a:rPr lang="en-US" altLang="zh-CN"/>
-              <a:t>unittest</a:t>
-            </a:r>
-            <a:r>
-              <a:t>不具备的</a:t>
-            </a:r>
-          </a:p>
-          <a:p>
-            <a:pPr marL="0" lvl="0" indent="0">
-              <a:buNone/>
-            </a:pPr>
-            <a:r>
-              <a:rPr lang="en-US" altLang="zh-CN"/>
-              <a:t>2. pytest</a:t>
-            </a:r>
-            <a:r>
-              <a:t>提供超多的钩子函数，</a:t>
-            </a:r>
-            <a:r>
-              <a:rPr>
-                <a:sym typeface="+mn-ea"/>
-              </a:rPr>
-              <a:t>可扩展性非常良好。</a:t>
-            </a:r>
-            <a:endParaRPr>
-              <a:sym typeface="+mn-ea"/>
-            </a:endParaRPr>
-          </a:p>
-          <a:p>
-            <a:pPr marL="0" lvl="0" indent="0">
-              <a:buNone/>
-            </a:pPr>
-            <a:r>
-              <a:rPr lang="en-US" altLang="zh-CN">
-                <a:sym typeface="+mn-ea"/>
-              </a:rPr>
-              <a:t>3. </a:t>
-            </a:r>
-            <a:r>
-              <a:rPr>
-                <a:sym typeface="+mn-ea"/>
-              </a:rPr>
-              <a:t>也是因为</a:t>
-            </a:r>
-            <a:r>
-              <a:rPr lang="en-US" altLang="zh-CN">
-                <a:sym typeface="+mn-ea"/>
-              </a:rPr>
-              <a:t>2</a:t>
-            </a:r>
-            <a:r>
-              <a:rPr>
-                <a:sym typeface="+mn-ea"/>
-              </a:rPr>
-              <a:t>，</a:t>
-            </a:r>
-            <a:r>
-              <a:t>解释了为什么有这么多人员为它开发第三方库。比如多进程并发，就有成熟的</a:t>
-            </a:r>
-            <a:r>
-              <a:rPr lang="en-US" altLang="zh-CN"/>
-              <a:t>pytest-xdist</a:t>
-            </a:r>
-            <a:r>
-              <a:t>库，测试代码覆盖率，有</a:t>
-            </a:r>
-            <a:r>
-              <a:rPr lang="en-US" altLang="zh-CN"/>
-              <a:t>pytest-cov</a:t>
-            </a:r>
-            <a:r>
-              <a:t>等等等等。越来越受人欢迎</a:t>
-            </a:r>
-          </a:p>
-          <a:p>
-            <a:pPr marL="0" lvl="0" indent="0">
-              <a:buNone/>
-            </a:pPr>
-            <a:r>
-              <a:rPr lang="en-US" altLang="zh-CN"/>
-              <a:t>3. </a:t>
-            </a:r>
-            <a:r>
-              <a:t>集成了</a:t>
-            </a:r>
-            <a:r>
-              <a:rPr lang="en-US" altLang="zh-CN"/>
-              <a:t>allure</a:t>
-            </a:r>
-            <a:r>
-              <a:t>报告、</a:t>
-            </a:r>
-            <a:r>
-              <a:rPr lang="en-US" altLang="zh-CN"/>
-              <a:t>jenkins</a:t>
-            </a:r>
-            <a:r>
-              <a:t>集成等等实用功能</a:t>
-            </a:r>
-          </a:p>
-          <a:p>
-            <a:pPr marL="0" lvl="0" indent="0">
-              <a:buNone/>
-            </a:pPr>
-            <a:r>
-              <a:rPr lang="en-US" altLang="zh-CN"/>
-              <a:t>4. </a:t>
-            </a:r>
-            <a:r>
-              <a:t>上手轻松，简单易学</a:t>
-            </a:r>
-          </a:p>
-        </p:txBody>
-      </p:sp>
-    </p:spTree>
-    <p:custDataLst>
-      <p:tags r:id="rId1"/>
-    </p:custDataLst>
-  </p:cSld>
-  <p:clrMapOvr>
-    <a:masterClrMapping/>
-  </p:clrMapOvr>
-  <p:transition/>
-</p:sld>
-</file>
-
-<file path=ppt/slides/slide6.xml><?xml version="1.0" encoding="utf-8"?>
-<p:sld xmlns:a="http://schemas.openxmlformats.org/drawingml/2006/main" xmlns:r="http://schemas.openxmlformats.org/officeDocument/2006/relationships" xmlns:p="http://schemas.openxmlformats.org/presentationml/2006/main">
-  <p:cSld>
-    <p:spTree>
-      <p:nvGrpSpPr>
-        <p:cNvPr id="1" name=""/>
-        <p:cNvGrpSpPr/>
-        <p:nvPr/>
-      </p:nvGrpSpPr>
-      <p:grpSpPr/>
-      <p:sp>
-        <p:nvSpPr>
-          <p:cNvPr id="2" name="标题 1"/>
-          <p:cNvSpPr>
-            <a:spLocks noGrp="1"/>
-          </p:cNvSpPr>
-          <p:nvPr>
-            <p:ph type="title"/>
-          </p:nvPr>
-        </p:nvSpPr>
-        <p:spPr/>
-        <p:txBody>
-          <a:bodyPr/>
-          <a:p>
-            <a:r>
               <a:rPr lang="zh-CN" altLang="en-US"/>
               <a:t>非常丰富的钩子函数可以使用</a:t>
             </a:r>
@@ -6358,6 +6685,31 @@
           </a:p>
         </p:txBody>
       </p:sp>
+      <p:pic>
+        <p:nvPicPr>
+          <p:cNvPr id="5" name="图片 4"/>
+          <p:cNvPicPr>
+            <a:picLocks noChangeAspect="1"/>
+          </p:cNvPicPr>
+          <p:nvPr/>
+        </p:nvPicPr>
+        <p:blipFill>
+          <a:blip r:embed="rId1"/>
+          <a:srcRect t="30541"/>
+          <a:stretch>
+            <a:fillRect/>
+          </a:stretch>
+        </p:blipFill>
+        <p:spPr>
+          <a:xfrm>
+            <a:off x="1280160" y="1330960"/>
+            <a:ext cx="7668895" cy="5304155"/>
+          </a:xfrm>
+          <a:prstGeom prst="rect">
+            <a:avLst/>
+          </a:prstGeom>
+        </p:spPr>
+      </p:pic>
       <p:pic>
         <p:nvPicPr>
           <p:cNvPr id="3" name="图片 2"/>
@@ -6367,40 +6719,15 @@
           <p:nvPr/>
         </p:nvPicPr>
         <p:blipFill>
-          <a:blip r:embed="rId1"/>
+          <a:blip r:embed="rId2"/>
           <a:stretch>
             <a:fillRect/>
           </a:stretch>
         </p:blipFill>
         <p:spPr>
           <a:xfrm>
-            <a:off x="1694815" y="2508885"/>
+            <a:off x="1616075" y="2367280"/>
             <a:ext cx="8467725" cy="2695575"/>
-          </a:xfrm>
-          <a:prstGeom prst="rect">
-            <a:avLst/>
-          </a:prstGeom>
-        </p:spPr>
-      </p:pic>
-      <p:pic>
-        <p:nvPicPr>
-          <p:cNvPr id="5" name="图片 4"/>
-          <p:cNvPicPr>
-            <a:picLocks noChangeAspect="1"/>
-          </p:cNvPicPr>
-          <p:nvPr/>
-        </p:nvPicPr>
-        <p:blipFill>
-          <a:blip r:embed="rId2"/>
-          <a:srcRect t="30541"/>
-          <a:stretch>
-            <a:fillRect/>
-          </a:stretch>
-        </p:blipFill>
-        <p:spPr>
-          <a:xfrm>
-            <a:off x="1280160" y="1330960"/>
-            <a:ext cx="7668895" cy="5304155"/>
           </a:xfrm>
           <a:prstGeom prst="rect">
             <a:avLst/>
@@ -6436,7 +6763,7 @@
                             </p:stCondLst>
                             <p:childTnLst>
                               <p:par>
-                                <p:cTn id="5" presetID="2" presetClass="entr" presetSubtype="4" fill="hold" nodeType="clickEffect">
+                                <p:cTn id="5" presetID="1" presetClass="entr" presetSubtype="0" fill="hold" nodeType="clickEffect">
                                   <p:stCondLst>
                                     <p:cond delay="0"/>
                                   </p:stCondLst>
@@ -6449,7 +6776,7 @@
                                           </p:stCondLst>
                                         </p:cTn>
                                         <p:tgtEl>
-                                          <p:spTgt spid="5"/>
+                                          <p:spTgt spid="3"/>
                                         </p:tgtEl>
                                         <p:attrNameLst>
                                           <p:attrName>style.visibility</p:attrName>
@@ -6459,52 +6786,6 @@
                                         <p:strVal val="visible"/>
                                       </p:to>
                                     </p:set>
-                                    <p:anim calcmode="lin" valueType="num">
-                                      <p:cBhvr additive="base">
-                                        <p:cTn id="7" dur="500" fill="hold"/>
-                                        <p:tgtEl>
-                                          <p:spTgt spid="5"/>
-                                        </p:tgtEl>
-                                        <p:attrNameLst>
-                                          <p:attrName>ppt_x</p:attrName>
-                                        </p:attrNameLst>
-                                      </p:cBhvr>
-                                      <p:tavLst>
-                                        <p:tav tm="0">
-                                          <p:val>
-                                            <p:strVal val="#ppt_x"/>
-                                          </p:val>
-                                        </p:tav>
-                                        <p:tav tm="100000">
-                                          <p:val>
-                                            <p:strVal val="#ppt_x"/>
-                                          </p:val>
-                                        </p:tav>
-                                      </p:tavLst>
-                                    </p:anim>
-                                    <p:anim calcmode="lin" valueType="num">
-                                      <p:cBhvr additive="base">
-                                        <p:cTn id="8" dur="500" fill="hold"/>
-                                        <p:tgtEl>
-                                          <p:spTgt spid="5"/>
-                                        </p:tgtEl>
-                                        <p:attrNameLst>
-                                          <p:attrName>ppt_y</p:attrName>
-                                        </p:attrNameLst>
-                                      </p:cBhvr>
-                                      <p:tavLst>
-                                        <p:tav tm="0">
-                                          <p:val>
-                                            <p:strVal val="1+#ppt_h/2"/>
-                                          </p:val>
-                                        </p:tav>
-                                        <p:tav tm="100000">
-                                          <p:val>
-                                            <p:strVal val="#ppt_y"/>
-                                          </p:val>
-                                        </p:tav>
-                                      </p:tavLst>
-                                    </p:anim>
                                   </p:childTnLst>
                                 </p:cTn>
                               </p:par>
@@ -6539,7 +6820,7 @@
 </p:sld>
 </file>
 
-<file path=ppt/slides/slide7.xml><?xml version="1.0" encoding="utf-8"?>
+<file path=ppt/slides/slide5.xml><?xml version="1.0" encoding="utf-8"?>
 <p:sld xmlns:a="http://schemas.openxmlformats.org/drawingml/2006/main" xmlns:r="http://schemas.openxmlformats.org/officeDocument/2006/relationships" xmlns:p="http://schemas.openxmlformats.org/presentationml/2006/main">
   <p:cSld>
     <p:spTree>
@@ -6635,6 +6916,400 @@
 </p:sld>
 </file>
 
+<file path=ppt/slides/slide6.xml><?xml version="1.0" encoding="utf-8"?>
+<p:sld xmlns:a="http://schemas.openxmlformats.org/drawingml/2006/main" xmlns:r="http://schemas.openxmlformats.org/officeDocument/2006/relationships" xmlns:p="http://schemas.openxmlformats.org/presentationml/2006/main">
+  <p:cSld>
+    <p:spTree>
+      <p:nvGrpSpPr>
+        <p:cNvPr id="1" name=""/>
+        <p:cNvGrpSpPr/>
+        <p:nvPr/>
+      </p:nvGrpSpPr>
+      <p:grpSpPr/>
+      <p:sp>
+        <p:nvSpPr>
+          <p:cNvPr id="2" name="标题 1"/>
+          <p:cNvSpPr>
+            <a:spLocks noGrp="1"/>
+          </p:cNvSpPr>
+          <p:nvPr>
+            <p:ph type="title"/>
+          </p:nvPr>
+        </p:nvSpPr>
+        <p:spPr/>
+        <p:txBody>
+          <a:bodyPr/>
+          <a:p>
+            <a:r>
+              <a:rPr lang="en-US" altLang="zh-CN"/>
+              <a:t>appium介</a:t>
+            </a:r>
+            <a:r>
+              <a:t>绍</a:t>
+            </a:r>
+          </a:p>
+        </p:txBody>
+      </p:sp>
+      <p:sp>
+        <p:nvSpPr>
+          <p:cNvPr id="3" name="内容占位符 2"/>
+          <p:cNvSpPr>
+            <a:spLocks noGrp="1"/>
+          </p:cNvSpPr>
+          <p:nvPr>
+            <p:ph idx="1"/>
+          </p:nvPr>
+        </p:nvSpPr>
+        <p:spPr>
+          <a:xfrm>
+            <a:off x="608330" y="1490345"/>
+            <a:ext cx="10968990" cy="4171950"/>
+          </a:xfrm>
+        </p:spPr>
+        <p:txBody>
+          <a:bodyPr>
+            <a:normAutofit/>
+          </a:bodyPr>
+          <a:p>
+            <a:pPr marL="342900" indent="-342900">
+              <a:buAutoNum type="arabicPeriod"/>
+            </a:pPr>
+            <a:r>
+              <a:t>Appium是一个开源测试自动化框架，可用于原生，混合和移动Web应用程序测试。 它使用WebDriver协议驱动iOS，Android和Windows应用程序。</a:t>
+            </a:r>
+          </a:p>
+          <a:p>
+            <a:pPr marL="342900" indent="-342900">
+              <a:buAutoNum type="arabicPeriod"/>
+            </a:pPr>
+            <a:r>
+              <a:t>跨平台：Android、iOS、</a:t>
+            </a:r>
+            <a:r>
+              <a:rPr lang="en-US" altLang="zh-CN"/>
+              <a:t>windows</a:t>
+            </a:r>
+            <a:r>
+              <a:t>、原生</a:t>
+            </a:r>
+            <a:r>
+              <a:rPr lang="en-US" altLang="zh-CN"/>
+              <a:t>web</a:t>
+            </a:r>
+            <a:r>
+              <a:t>混合</a:t>
+            </a:r>
+          </a:p>
+          <a:p>
+            <a:pPr marL="800100" lvl="1" indent="-342900">
+              <a:buAutoNum type="arabicPeriod"/>
+            </a:pPr>
+            <a:r>
+              <a:rPr sz="1800">
+                <a:sym typeface="+mn-ea"/>
+              </a:rPr>
+              <a:t>iOS 9.3 及以上: 苹果的 XCUITest</a:t>
+            </a:r>
+            <a:endParaRPr sz="1800">
+              <a:sym typeface="+mn-ea"/>
+            </a:endParaRPr>
+          </a:p>
+          <a:p>
+            <a:pPr marL="800100" lvl="1" indent="-342900">
+              <a:buAutoNum type="arabicPeriod"/>
+            </a:pPr>
+            <a:r>
+              <a:rPr sz="1800">
+                <a:sym typeface="+mn-ea"/>
+              </a:rPr>
+              <a:t>iOS 9.3 及以下: 苹果的 UIAutomation</a:t>
+            </a:r>
+            <a:endParaRPr sz="1800">
+              <a:sym typeface="+mn-ea"/>
+            </a:endParaRPr>
+          </a:p>
+          <a:p>
+            <a:pPr marL="800100" lvl="1" indent="-342900">
+              <a:buAutoNum type="arabicPeriod"/>
+            </a:pPr>
+            <a:r>
+              <a:rPr sz="1800">
+                <a:sym typeface="+mn-ea"/>
+              </a:rPr>
+              <a:t>Android 4.3+: 谷歌的 UiAutomator / UiAutomator2</a:t>
+            </a:r>
+            <a:endParaRPr sz="1800">
+              <a:sym typeface="+mn-ea"/>
+            </a:endParaRPr>
+          </a:p>
+          <a:p>
+            <a:pPr marL="800100" lvl="1" indent="-342900">
+              <a:buAutoNum type="arabicPeriod"/>
+            </a:pPr>
+            <a:r>
+              <a:rPr sz="1800">
+                <a:sym typeface="+mn-ea"/>
+              </a:rPr>
+              <a:t>Android 2.3+: 谷歌的 Instrumentation. </a:t>
+            </a:r>
+            <a:endParaRPr sz="1800">
+              <a:sym typeface="+mn-ea"/>
+            </a:endParaRPr>
+          </a:p>
+          <a:p>
+            <a:pPr marL="800100" lvl="1" indent="-342900">
+              <a:buAutoNum type="arabicPeriod"/>
+            </a:pPr>
+            <a:r>
+              <a:rPr sz="1800">
+                <a:sym typeface="+mn-ea"/>
+              </a:rPr>
+              <a:t>Windows: 微软的 WinAppDriver</a:t>
+            </a:r>
+          </a:p>
+          <a:p>
+            <a:pPr marL="342900" indent="-342900">
+              <a:buAutoNum type="arabicPeriod"/>
+            </a:pPr>
+            <a:r>
+              <a:rPr>
+                <a:sym typeface="+mn-ea"/>
+              </a:rPr>
+              <a:t>支持多语言：</a:t>
+            </a:r>
+            <a:r>
+              <a:rPr lang="en-US" altLang="zh-CN">
+                <a:sym typeface="+mn-ea"/>
+              </a:rPr>
+              <a:t>java</a:t>
+            </a:r>
+            <a:r>
+              <a:rPr>
+                <a:sym typeface="+mn-ea"/>
+              </a:rPr>
+              <a:t>、</a:t>
+            </a:r>
+            <a:r>
+              <a:rPr lang="en-US" altLang="zh-CN">
+                <a:sym typeface="+mn-ea"/>
+              </a:rPr>
+              <a:t>python</a:t>
+            </a:r>
+            <a:r>
+              <a:rPr>
+                <a:sym typeface="+mn-ea"/>
+              </a:rPr>
+              <a:t>、</a:t>
+            </a:r>
+            <a:r>
+              <a:rPr lang="en-US" altLang="zh-CN">
+                <a:sym typeface="+mn-ea"/>
+              </a:rPr>
+              <a:t>php</a:t>
+            </a:r>
+            <a:r>
+              <a:rPr>
+                <a:sym typeface="+mn-ea"/>
+              </a:rPr>
+              <a:t>、</a:t>
+            </a:r>
+            <a:r>
+              <a:rPr lang="en-US" altLang="zh-CN">
+                <a:sym typeface="+mn-ea"/>
+              </a:rPr>
+              <a:t>R</a:t>
+            </a:r>
+            <a:r>
+              <a:rPr lang="en-US" altLang="zh-CN">
+                <a:sym typeface="+mn-ea"/>
+              </a:rPr>
+              <a:t>uby</a:t>
+            </a:r>
+            <a:endParaRPr lang="en-US" altLang="zh-CN">
+              <a:sym typeface="+mn-ea"/>
+            </a:endParaRPr>
+          </a:p>
+          <a:p>
+            <a:pPr marL="800100" lvl="1" indent="-342900">
+              <a:buAutoNum type="arabicPeriod"/>
+            </a:pPr>
+          </a:p>
+        </p:txBody>
+      </p:sp>
+      <p:sp>
+        <p:nvSpPr>
+          <p:cNvPr id="4" name="右大括号 3"/>
+          <p:cNvSpPr/>
+          <p:nvPr/>
+        </p:nvSpPr>
+        <p:spPr>
+          <a:xfrm>
+            <a:off x="7460615" y="2896870"/>
+            <a:ext cx="325755" cy="1946910"/>
+          </a:xfrm>
+          <a:prstGeom prst="rightBrace">
+            <a:avLst/>
+          </a:prstGeom>
+        </p:spPr>
+        <p:style>
+          <a:lnRef idx="1">
+            <a:schemeClr val="dk1"/>
+          </a:lnRef>
+          <a:fillRef idx="0">
+            <a:schemeClr val="dk1"/>
+          </a:fillRef>
+          <a:effectRef idx="0">
+            <a:schemeClr val="dk1"/>
+          </a:effectRef>
+          <a:fontRef idx="minor">
+            <a:schemeClr val="tx1"/>
+          </a:fontRef>
+        </p:style>
+        <p:txBody>
+          <a:bodyPr rtlCol="0" anchor="ctr"/>
+          <a:p>
+            <a:pPr algn="ctr"/>
+            <a:endParaRPr lang="zh-CN" altLang="en-US"/>
+          </a:p>
+        </p:txBody>
+      </p:sp>
+      <p:sp>
+        <p:nvSpPr>
+          <p:cNvPr id="5" name="文本框 4"/>
+          <p:cNvSpPr txBox="1"/>
+          <p:nvPr/>
+        </p:nvSpPr>
+        <p:spPr>
+          <a:xfrm>
+            <a:off x="7873365" y="3685540"/>
+            <a:ext cx="2783840" cy="368300"/>
+          </a:xfrm>
+          <a:prstGeom prst="rect">
+            <a:avLst/>
+          </a:prstGeom>
+          <a:noFill/>
+        </p:spPr>
+        <p:txBody>
+          <a:bodyPr wrap="square" rtlCol="0">
+            <a:spAutoFit/>
+          </a:bodyPr>
+          <a:p>
+            <a:r>
+              <a:rPr lang="en-US" altLang="zh-CN"/>
+              <a:t>AppiumWebDriver</a:t>
+            </a:r>
+            <a:endParaRPr lang="en-US" altLang="zh-CN"/>
+          </a:p>
+        </p:txBody>
+      </p:sp>
+    </p:spTree>
+    <p:custDataLst>
+      <p:tags r:id="rId1"/>
+    </p:custDataLst>
+  </p:cSld>
+  <p:clrMapOvr>
+    <a:masterClrMapping/>
+  </p:clrMapOvr>
+  <p:transition/>
+</p:sld>
+</file>
+
+<file path=ppt/slides/slide7.xml><?xml version="1.0" encoding="utf-8"?>
+<p:sld xmlns:a="http://schemas.openxmlformats.org/drawingml/2006/main" xmlns:r="http://schemas.openxmlformats.org/officeDocument/2006/relationships" xmlns:p="http://schemas.openxmlformats.org/presentationml/2006/main">
+  <p:cSld>
+    <p:spTree>
+      <p:nvGrpSpPr>
+        <p:cNvPr id="1" name=""/>
+        <p:cNvGrpSpPr/>
+        <p:nvPr/>
+      </p:nvGrpSpPr>
+      <p:grpSpPr/>
+      <p:sp>
+        <p:nvSpPr>
+          <p:cNvPr id="2" name="标题 1"/>
+          <p:cNvSpPr>
+            <a:spLocks noGrp="1"/>
+          </p:cNvSpPr>
+          <p:nvPr>
+            <p:ph type="title"/>
+          </p:nvPr>
+        </p:nvSpPr>
+        <p:spPr/>
+        <p:txBody>
+          <a:bodyPr/>
+          <a:p>
+            <a:r>
+              <a:rPr lang="en-US" altLang="zh-CN"/>
+              <a:t>appium介</a:t>
+            </a:r>
+            <a:r>
+              <a:t>绍</a:t>
+            </a:r>
+          </a:p>
+        </p:txBody>
+      </p:sp>
+      <p:pic>
+        <p:nvPicPr>
+          <p:cNvPr id="4" name="内容占位符 3"/>
+          <p:cNvPicPr>
+            <a:picLocks noChangeAspect="1"/>
+          </p:cNvPicPr>
+          <p:nvPr>
+            <p:ph idx="1"/>
+          </p:nvPr>
+        </p:nvPicPr>
+        <p:blipFill>
+          <a:blip r:embed="rId1"/>
+          <a:stretch>
+            <a:fillRect/>
+          </a:stretch>
+        </p:blipFill>
+        <p:spPr>
+          <a:xfrm>
+            <a:off x="608330" y="1313815"/>
+            <a:ext cx="5122545" cy="4759325"/>
+          </a:xfrm>
+          <a:prstGeom prst="rect">
+            <a:avLst/>
+          </a:prstGeom>
+        </p:spPr>
+      </p:pic>
+      <p:pic>
+        <p:nvPicPr>
+          <p:cNvPr id="6" name="图片 5"/>
+          <p:cNvPicPr>
+            <a:picLocks noChangeAspect="1"/>
+          </p:cNvPicPr>
+          <p:nvPr/>
+        </p:nvPicPr>
+        <p:blipFill>
+          <a:blip r:embed="rId2"/>
+          <a:stretch>
+            <a:fillRect/>
+          </a:stretch>
+        </p:blipFill>
+        <p:spPr>
+          <a:xfrm>
+            <a:off x="6172835" y="1908175"/>
+            <a:ext cx="5080635" cy="3570605"/>
+          </a:xfrm>
+          <a:prstGeom prst="rect">
+            <a:avLst/>
+          </a:prstGeom>
+        </p:spPr>
+      </p:pic>
+    </p:spTree>
+    <p:custDataLst>
+      <p:tags r:id="rId3"/>
+    </p:custDataLst>
+  </p:cSld>
+  <p:clrMapOvr>
+    <a:masterClrMapping/>
+  </p:clrMapOvr>
+  <p:transition/>
+</p:sld>
+</file>
+
 <file path=ppt/slides/slide8.xml><?xml version="1.0" encoding="utf-8"?>
 <p:sld xmlns:a="http://schemas.openxmlformats.org/drawingml/2006/main" xmlns:r="http://schemas.openxmlformats.org/officeDocument/2006/relationships" xmlns:p="http://schemas.openxmlformats.org/presentationml/2006/main">
   <p:cSld>
@@ -6644,7 +7319,14 @@
         <p:cNvGrpSpPr/>
         <p:nvPr/>
       </p:nvGrpSpPr>
-      <p:grpSpPr/>
+      <p:grpSpPr>
+        <a:xfrm>
+          <a:off x="0" y="0"/>
+          <a:ext cx="0" cy="0"/>
+          <a:chOff x="0" y="0"/>
+          <a:chExt cx="0" cy="0"/>
+        </a:xfrm>
+      </p:grpSpPr>
       <p:sp>
         <p:nvSpPr>
           <p:cNvPr id="2" name="标题 1"/>
@@ -6652,47 +7334,33 @@
             <a:spLocks noGrp="1"/>
           </p:cNvSpPr>
           <p:nvPr>
-            <p:ph type="title"/>
-          </p:nvPr>
-        </p:nvSpPr>
-        <p:spPr/>
-        <p:txBody>
-          <a:bodyPr/>
-          <a:p>
-            <a:r>
-              <a:rPr lang="zh-CN" altLang="en-US"/>
-              <a:t>调用流程</a:t>
-            </a:r>
-            <a:endParaRPr lang="zh-CN" altLang="en-US"/>
-          </a:p>
-        </p:txBody>
-      </p:sp>
-      <p:pic>
-        <p:nvPicPr>
-          <p:cNvPr id="4" name="内容占位符 3"/>
-          <p:cNvPicPr>
-            <a:picLocks noChangeAspect="1"/>
-          </p:cNvPicPr>
-          <p:nvPr>
-            <p:ph idx="1"/>
-          </p:nvPr>
-        </p:nvPicPr>
-        <p:blipFill>
-          <a:blip r:embed="rId1"/>
-          <a:stretch>
-            <a:fillRect/>
-          </a:stretch>
-        </p:blipFill>
+            <p:ph type="ctrTitle"/>
+            <p:custDataLst>
+              <p:tags r:id="rId1"/>
+            </p:custDataLst>
+          </p:nvPr>
+        </p:nvSpPr>
         <p:spPr>
           <a:xfrm>
-            <a:off x="2172970" y="1997710"/>
-            <a:ext cx="7839075" cy="3743325"/>
+            <a:off x="1196340" y="2807335"/>
+            <a:ext cx="9799320" cy="1243330"/>
           </a:xfrm>
-          <a:prstGeom prst="rect">
-            <a:avLst/>
-          </a:prstGeom>
         </p:spPr>
-      </p:pic>
+        <p:txBody>
+          <a:bodyPr>
+            <a:normAutofit/>
+          </a:bodyPr>
+          <a:p>
+            <a:r>
+              <a:rPr lang="zh-CN" dirty="0" smtClean="0">
+                <a:sym typeface="+mn-ea"/>
+              </a:rPr>
+              <a:t>项目介绍</a:t>
+            </a:r>
+            <a:endParaRPr lang="zh-CN"/>
+          </a:p>
+        </p:txBody>
+      </p:sp>
     </p:spTree>
     <p:custDataLst>
       <p:tags r:id="rId2"/>
@@ -6730,7 +7398,7 @@
           <a:p>
             <a:r>
               <a:rPr lang="zh-CN" altLang="en-US"/>
-              <a:t>项目架构</a:t>
+              <a:t>调用流程</a:t>
             </a:r>
             <a:endParaRPr lang="zh-CN" altLang="en-US"/>
           </a:p>
@@ -6738,7 +7406,7 @@
       </p:sp>
       <p:pic>
         <p:nvPicPr>
-          <p:cNvPr id="5" name="内容占位符 4"/>
+          <p:cNvPr id="4" name="内容占位符 3"/>
           <p:cNvPicPr>
             <a:picLocks noChangeAspect="1"/>
           </p:cNvPicPr>
@@ -6754,8 +7422,8 @@
         </p:blipFill>
         <p:spPr>
           <a:xfrm>
-            <a:off x="2180590" y="1490345"/>
-            <a:ext cx="7823200" cy="4759325"/>
+            <a:off x="1911985" y="1557655"/>
+            <a:ext cx="7839075" cy="3743325"/>
           </a:xfrm>
           <a:prstGeom prst="rect">
             <a:avLst/>
@@ -7675,17 +8343,45 @@
 
 <file path=ppt/tags/tag72.xml><?xml version="1.0" encoding="utf-8"?>
 <p:tagLst xmlns:p="http://schemas.openxmlformats.org/presentationml/2006/main">
+  <p:tag name="KSO_WM_UNIT_ISCONTENTSTITLE" val="0"/>
+  <p:tag name="KSO_WM_UNIT_ISNUMDGMTITLE" val="0"/>
+  <p:tag name="KSO_WM_UNIT_PRESET_TEXT" val="空白演示"/>
+  <p:tag name="KSO_WM_UNIT_NOCLEAR" val="0"/>
+  <p:tag name="KSO_WM_UNIT_SHOW_EDIT_AREA_INDICATION" val="1"/>
+  <p:tag name="KSO_WM_UNIT_VALUE" val="28"/>
+  <p:tag name="KSO_WM_UNIT_HIGHLIGHT" val="0"/>
+  <p:tag name="KSO_WM_UNIT_COMPATIBLE" val="0"/>
+  <p:tag name="KSO_WM_UNIT_DIAGRAM_ISNUMVISUAL" val="0"/>
+  <p:tag name="KSO_WM_UNIT_DIAGRAM_ISREFERUNIT" val="0"/>
+  <p:tag name="KSO_WM_UNIT_TYPE" val="a"/>
+  <p:tag name="KSO_WM_UNIT_INDEX" val="1"/>
+  <p:tag name="KSO_WM_UNIT_ID" val="custom20205176_1*a*1"/>
+  <p:tag name="KSO_WM_TEMPLATE_CATEGORY" val="custom"/>
+  <p:tag name="KSO_WM_TEMPLATE_INDEX" val="20205176"/>
+  <p:tag name="KSO_WM_UNIT_LAYERLEVEL" val="1"/>
+  <p:tag name="KSO_WM_TAG_VERSION" val="1.0"/>
+  <p:tag name="KSO_WM_BEAUTIFY_FLAG" val="#wm#"/>
+</p:tagLst>
+</file>
+
+<file path=ppt/tags/tag73.xml><?xml version="1.0" encoding="utf-8"?>
+<p:tagLst xmlns:p="http://schemas.openxmlformats.org/presentationml/2006/main">
+  <p:tag name="KSO_WM_SLIDE_ID" val="custom20205176_1"/>
+  <p:tag name="KSO_WM_TEMPLATE_SUBCATEGORY" val="19"/>
+  <p:tag name="KSO_WM_TEMPLATE_MASTER_TYPE" val="0"/>
+  <p:tag name="KSO_WM_TEMPLATE_COLOR_TYPE" val="1"/>
+  <p:tag name="KSO_WM_SLIDE_TYPE" val="title"/>
+  <p:tag name="KSO_WM_SLIDE_SUBTYPE" val="defaultBlank"/>
+  <p:tag name="KSO_WM_SLIDE_ITEM_CNT" val="0"/>
+  <p:tag name="KSO_WM_SLIDE_INDEX" val="1"/>
+  <p:tag name="KSO_WM_TAG_VERSION" val="1.0"/>
   <p:tag name="KSO_WM_BEAUTIFY_FLAG" val="#wm#"/>
   <p:tag name="KSO_WM_TEMPLATE_CATEGORY" val="custom"/>
   <p:tag name="KSO_WM_TEMPLATE_INDEX" val="20205176"/>
-</p:tagLst>
-</file>
-
-<file path=ppt/tags/tag73.xml><?xml version="1.0" encoding="utf-8"?>
-<p:tagLst xmlns:p="http://schemas.openxmlformats.org/presentationml/2006/main">
-  <p:tag name="KSO_WM_BEAUTIFY_FLAG" val="#wm#"/>
-  <p:tag name="KSO_WM_TEMPLATE_CATEGORY" val="custom"/>
-  <p:tag name="KSO_WM_TEMPLATE_INDEX" val="20205176"/>
+  <p:tag name="KSO_WM_SLIDE_LAYOUT" val="a_b"/>
+  <p:tag name="KSO_WM_SLIDE_LAYOUT_CNT" val="1_1"/>
+  <p:tag name="KSO_WM_UNIT_SHOW_EDIT_AREA_INDICATION" val="1"/>
+  <p:tag name="KSO_WM_TEMPLATE_THUMBS_INDEX" val="1、4、7、12、13、14、15、16、17、18、20、24、25、28、33、36、40、43、44"/>
 </p:tagLst>
 </file>
 
@@ -7747,6 +8443,30 @@
   <p:tag name="KSO_WM_UNIT_LAYERLEVEL" val="1"/>
   <p:tag name="KSO_WM_TAG_VERSION" val="1.0"/>
   <p:tag name="KSO_WM_BEAUTIFY_FLAG" val="#wm#"/>
+</p:tagLst>
+</file>
+
+<file path=ppt/tags/tag80.xml><?xml version="1.0" encoding="utf-8"?>
+<p:tagLst xmlns:p="http://schemas.openxmlformats.org/presentationml/2006/main">
+  <p:tag name="KSO_WM_BEAUTIFY_FLAG" val="#wm#"/>
+  <p:tag name="KSO_WM_TEMPLATE_CATEGORY" val="custom"/>
+  <p:tag name="KSO_WM_TEMPLATE_INDEX" val="20205176"/>
+</p:tagLst>
+</file>
+
+<file path=ppt/tags/tag81.xml><?xml version="1.0" encoding="utf-8"?>
+<p:tagLst xmlns:p="http://schemas.openxmlformats.org/presentationml/2006/main">
+  <p:tag name="KSO_WM_BEAUTIFY_FLAG" val="#wm#"/>
+  <p:tag name="KSO_WM_TEMPLATE_CATEGORY" val="custom"/>
+  <p:tag name="KSO_WM_TEMPLATE_INDEX" val="20205176"/>
+</p:tagLst>
+</file>
+
+<file path=ppt/tags/tag82.xml><?xml version="1.0" encoding="utf-8"?>
+<p:tagLst xmlns:p="http://schemas.openxmlformats.org/presentationml/2006/main">
+  <p:tag name="KSO_WM_BEAUTIFY_FLAG" val="#wm#"/>
+  <p:tag name="KSO_WM_TEMPLATE_CATEGORY" val="custom"/>
+  <p:tag name="KSO_WM_TEMPLATE_INDEX" val="20205176"/>
 </p:tagLst>
 </file>
 
